--- a/report/Presentation.pptx
+++ b/report/Presentation.pptx
@@ -2,11 +2,14 @@
 <file path=ppt/presentation.xml><?xml version="1.0" encoding="utf-8"?>
 <p:presentation xmlns:a="http://schemas.openxmlformats.org/drawingml/2006/main" xmlns:r="http://schemas.openxmlformats.org/officeDocument/2006/relationships" xmlns:p="http://schemas.openxmlformats.org/presentationml/2006/main" autoCompressPictures="0">
   <p:sldMasterIdLst>
-    <p:sldMasterId id="2147483648" r:id="rId1"/>
+    <p:sldMasterId id="2147483680" r:id="rId1"/>
   </p:sldMasterIdLst>
   <p:sldIdLst>
     <p:sldId id="256" r:id="rId2"/>
-    <p:sldId id="257" r:id="rId3"/>
+    <p:sldId id="259" r:id="rId3"/>
+    <p:sldId id="258" r:id="rId4"/>
+    <p:sldId id="260" r:id="rId5"/>
+    <p:sldId id="257" r:id="rId6"/>
   </p:sldIdLst>
   <p:sldSz cx="12192000" cy="6858000"/>
   <p:notesSz cx="6858000" cy="9144000"/>
@@ -105,6 +108,11 @@
       </a:defRPr>
     </a:lvl9pPr>
   </p:defaultTextStyle>
+  <p:extLst>
+    <p:ext uri="{EFAFB233-063F-42B5-8137-9DF3F51BA10A}">
+      <p15:sldGuideLst xmlns:p15="http://schemas.microsoft.com/office/powerpoint/2012/main"/>
+    </p:ext>
+  </p:extLst>
 </p:presentation>
 </file>
 
@@ -829,9 +837,9 @@
           <a:lstStyle/>
           <a:p>
             <a:fld id="{B61BEF0D-F0BB-DE4B-95CE-6DB70DBA9567}" type="datetimeFigureOut">
-              <a:rPr lang="en-US" dirty="0"/>
+              <a:rPr lang="en-US" smtClean="0"/>
               <a:pPr/>
-              <a:t>11/6/2017</a:t>
+              <a:t>11/12/2017</a:t>
             </a:fld>
             <a:endParaRPr lang="en-US" dirty="0"/>
           </a:p>
@@ -872,7 +880,7 @@
           <a:lstStyle/>
           <a:p>
             <a:fld id="{D57F1E4F-1CFF-5643-939E-217C01CDF565}" type="slidenum">
-              <a:rPr lang="en-US" dirty="0"/>
+              <a:rPr lang="en-US" smtClean="0"/>
               <a:pPr/>
               <a:t>‹#›</a:t>
             </a:fld>
@@ -881,6 +889,11 @@
         </p:txBody>
       </p:sp>
     </p:spTree>
+    <p:extLst>
+      <p:ext uri="{BB962C8B-B14F-4D97-AF65-F5344CB8AC3E}">
+        <p14:creationId xmlns:p14="http://schemas.microsoft.com/office/powerpoint/2010/main" val="1122184220"/>
+      </p:ext>
+    </p:extLst>
   </p:cSld>
   <p:clrMapOvr>
     <a:masterClrMapping/>
@@ -1077,9 +1090,9 @@
           <a:lstStyle/>
           <a:p>
             <a:fld id="{B61BEF0D-F0BB-DE4B-95CE-6DB70DBA9567}" type="datetimeFigureOut">
-              <a:rPr lang="en-US" dirty="0"/>
+              <a:rPr lang="en-US" smtClean="0"/>
               <a:pPr/>
-              <a:t>11/6/2017</a:t>
+              <a:t>11/12/2017</a:t>
             </a:fld>
             <a:endParaRPr lang="en-US" dirty="0"/>
           </a:p>
@@ -1120,7 +1133,7 @@
           <a:lstStyle/>
           <a:p>
             <a:fld id="{D57F1E4F-1CFF-5643-939E-217C01CDF565}" type="slidenum">
-              <a:rPr lang="en-US" dirty="0"/>
+              <a:rPr lang="en-US" smtClean="0"/>
               <a:pPr/>
               <a:t>‹#›</a:t>
             </a:fld>
@@ -1129,6 +1142,11 @@
         </p:txBody>
       </p:sp>
     </p:spTree>
+    <p:extLst>
+      <p:ext uri="{BB962C8B-B14F-4D97-AF65-F5344CB8AC3E}">
+        <p14:creationId xmlns:p14="http://schemas.microsoft.com/office/powerpoint/2010/main" val="203135467"/>
+      </p:ext>
+    </p:extLst>
   </p:cSld>
   <p:clrMapOvr>
     <a:masterClrMapping/>
@@ -1388,9 +1406,9 @@
           <a:lstStyle/>
           <a:p>
             <a:fld id="{B61BEF0D-F0BB-DE4B-95CE-6DB70DBA9567}" type="datetimeFigureOut">
-              <a:rPr lang="en-US" dirty="0"/>
+              <a:rPr lang="en-US" smtClean="0"/>
               <a:pPr/>
-              <a:t>11/6/2017</a:t>
+              <a:t>11/12/2017</a:t>
             </a:fld>
             <a:endParaRPr lang="en-US" dirty="0"/>
           </a:p>
@@ -1431,7 +1449,7 @@
           <a:lstStyle/>
           <a:p>
             <a:fld id="{D57F1E4F-1CFF-5643-939E-217C01CDF565}" type="slidenum">
-              <a:rPr lang="en-US" dirty="0"/>
+              <a:rPr lang="en-US" smtClean="0"/>
               <a:pPr/>
               <a:t>‹#›</a:t>
             </a:fld>
@@ -1530,6 +1548,11 @@
         </p:txBody>
       </p:sp>
     </p:spTree>
+    <p:extLst>
+      <p:ext uri="{BB962C8B-B14F-4D97-AF65-F5344CB8AC3E}">
+        <p14:creationId xmlns:p14="http://schemas.microsoft.com/office/powerpoint/2010/main" val="732154141"/>
+      </p:ext>
+    </p:extLst>
   </p:cSld>
   <p:clrMapOvr>
     <a:masterClrMapping/>
@@ -1726,9 +1749,9 @@
           <a:lstStyle/>
           <a:p>
             <a:fld id="{B61BEF0D-F0BB-DE4B-95CE-6DB70DBA9567}" type="datetimeFigureOut">
-              <a:rPr lang="en-US" dirty="0"/>
+              <a:rPr lang="en-US" smtClean="0"/>
               <a:pPr/>
-              <a:t>11/6/2017</a:t>
+              <a:t>11/12/2017</a:t>
             </a:fld>
             <a:endParaRPr lang="en-US" dirty="0"/>
           </a:p>
@@ -1769,7 +1792,7 @@
           <a:lstStyle/>
           <a:p>
             <a:fld id="{D57F1E4F-1CFF-5643-939E-217C01CDF565}" type="slidenum">
-              <a:rPr lang="en-US" dirty="0"/>
+              <a:rPr lang="en-US" smtClean="0"/>
               <a:pPr/>
               <a:t>‹#›</a:t>
             </a:fld>
@@ -1778,6 +1801,11 @@
         </p:txBody>
       </p:sp>
     </p:spTree>
+    <p:extLst>
+      <p:ext uri="{BB962C8B-B14F-4D97-AF65-F5344CB8AC3E}">
+        <p14:creationId xmlns:p14="http://schemas.microsoft.com/office/powerpoint/2010/main" val="133469643"/>
+      </p:ext>
+    </p:extLst>
   </p:cSld>
   <p:clrMapOvr>
     <a:masterClrMapping/>
@@ -2037,9 +2065,9 @@
           <a:lstStyle/>
           <a:p>
             <a:fld id="{B61BEF0D-F0BB-DE4B-95CE-6DB70DBA9567}" type="datetimeFigureOut">
-              <a:rPr lang="en-US" dirty="0"/>
+              <a:rPr lang="en-US" smtClean="0"/>
               <a:pPr/>
-              <a:t>11/6/2017</a:t>
+              <a:t>11/12/2017</a:t>
             </a:fld>
             <a:endParaRPr lang="en-US" dirty="0"/>
           </a:p>
@@ -2080,7 +2108,7 @@
           <a:lstStyle/>
           <a:p>
             <a:fld id="{D57F1E4F-1CFF-5643-939E-217C01CDF565}" type="slidenum">
-              <a:rPr lang="en-US" dirty="0"/>
+              <a:rPr lang="en-US" smtClean="0"/>
               <a:pPr/>
               <a:t>‹#›</a:t>
             </a:fld>
@@ -2171,6 +2199,11 @@
         </p:txBody>
       </p:sp>
     </p:spTree>
+    <p:extLst>
+      <p:ext uri="{BB962C8B-B14F-4D97-AF65-F5344CB8AC3E}">
+        <p14:creationId xmlns:p14="http://schemas.microsoft.com/office/powerpoint/2010/main" val="773655665"/>
+      </p:ext>
+    </p:extLst>
   </p:cSld>
   <p:clrMapOvr>
     <a:masterClrMapping/>
@@ -2427,9 +2460,9 @@
           <a:lstStyle/>
           <a:p>
             <a:fld id="{B61BEF0D-F0BB-DE4B-95CE-6DB70DBA9567}" type="datetimeFigureOut">
-              <a:rPr lang="en-US" dirty="0"/>
+              <a:rPr lang="en-US" smtClean="0"/>
               <a:pPr/>
-              <a:t>11/6/2017</a:t>
+              <a:t>11/12/2017</a:t>
             </a:fld>
             <a:endParaRPr lang="en-US" dirty="0"/>
           </a:p>
@@ -2470,7 +2503,7 @@
           <a:lstStyle/>
           <a:p>
             <a:fld id="{D57F1E4F-1CFF-5643-939E-217C01CDF565}" type="slidenum">
-              <a:rPr lang="en-US" dirty="0"/>
+              <a:rPr lang="en-US" smtClean="0"/>
               <a:pPr/>
               <a:t>‹#›</a:t>
             </a:fld>
@@ -2479,6 +2512,11 @@
         </p:txBody>
       </p:sp>
     </p:spTree>
+    <p:extLst>
+      <p:ext uri="{BB962C8B-B14F-4D97-AF65-F5344CB8AC3E}">
+        <p14:creationId xmlns:p14="http://schemas.microsoft.com/office/powerpoint/2010/main" val="4112382863"/>
+      </p:ext>
+    </p:extLst>
   </p:cSld>
   <p:clrMapOvr>
     <a:masterClrMapping/>
@@ -2594,8 +2632,8 @@
           <a:lstStyle/>
           <a:p>
             <a:fld id="{55C6B4A9-1611-4792-9094-5F34BCA07E0B}" type="datetimeFigureOut">
-              <a:rPr lang="en-US" dirty="0"/>
-              <a:t>11/6/2017</a:t>
+              <a:rPr lang="en-US" smtClean="0"/>
+              <a:t>11/12/2017</a:t>
             </a:fld>
             <a:endParaRPr lang="en-US" dirty="0"/>
           </a:p>
@@ -2636,7 +2674,7 @@
           <a:lstStyle/>
           <a:p>
             <a:fld id="{89333C77-0158-454C-844F-B7AB9BD7DAD4}" type="slidenum">
-              <a:rPr lang="en-US" dirty="0"/>
+              <a:rPr lang="en-US" smtClean="0"/>
               <a:t>‹#›</a:t>
             </a:fld>
             <a:endParaRPr lang="en-US" dirty="0"/>
@@ -2644,6 +2682,11 @@
         </p:txBody>
       </p:sp>
     </p:spTree>
+    <p:extLst>
+      <p:ext uri="{BB962C8B-B14F-4D97-AF65-F5344CB8AC3E}">
+        <p14:creationId xmlns:p14="http://schemas.microsoft.com/office/powerpoint/2010/main" val="1431333996"/>
+      </p:ext>
+    </p:extLst>
   </p:cSld>
   <p:clrMapOvr>
     <a:masterClrMapping/>
@@ -2769,9 +2812,9 @@
           <a:lstStyle/>
           <a:p>
             <a:fld id="{B61BEF0D-F0BB-DE4B-95CE-6DB70DBA9567}" type="datetimeFigureOut">
-              <a:rPr lang="en-US" dirty="0"/>
+              <a:rPr lang="en-US" smtClean="0"/>
               <a:pPr/>
-              <a:t>11/6/2017</a:t>
+              <a:t>11/12/2017</a:t>
             </a:fld>
             <a:endParaRPr lang="en-US" dirty="0"/>
           </a:p>
@@ -2812,7 +2855,7 @@
           <a:lstStyle/>
           <a:p>
             <a:fld id="{D57F1E4F-1CFF-5643-939E-217C01CDF565}" type="slidenum">
-              <a:rPr lang="en-US" dirty="0"/>
+              <a:rPr lang="en-US" smtClean="0"/>
               <a:pPr/>
               <a:t>‹#›</a:t>
             </a:fld>
@@ -2821,6 +2864,11 @@
         </p:txBody>
       </p:sp>
     </p:spTree>
+    <p:extLst>
+      <p:ext uri="{BB962C8B-B14F-4D97-AF65-F5344CB8AC3E}">
+        <p14:creationId xmlns:p14="http://schemas.microsoft.com/office/powerpoint/2010/main" val="3750957111"/>
+      </p:ext>
+    </p:extLst>
   </p:cSld>
   <p:clrMapOvr>
     <a:masterClrMapping/>
@@ -2942,9 +2990,9 @@
           <a:lstStyle/>
           <a:p>
             <a:fld id="{B61BEF0D-F0BB-DE4B-95CE-6DB70DBA9567}" type="datetimeFigureOut">
-              <a:rPr lang="en-US" dirty="0"/>
+              <a:rPr lang="en-US" smtClean="0"/>
               <a:pPr/>
-              <a:t>11/6/2017</a:t>
+              <a:t>11/12/2017</a:t>
             </a:fld>
             <a:endParaRPr lang="en-US" dirty="0"/>
           </a:p>
@@ -2985,7 +3033,7 @@
           <a:lstStyle/>
           <a:p>
             <a:fld id="{D57F1E4F-1CFF-5643-939E-217C01CDF565}" type="slidenum">
-              <a:rPr lang="en-US" dirty="0"/>
+              <a:rPr lang="en-US" smtClean="0"/>
               <a:pPr/>
               <a:t>‹#›</a:t>
             </a:fld>
@@ -2994,6 +3042,11 @@
         </p:txBody>
       </p:sp>
     </p:spTree>
+    <p:extLst>
+      <p:ext uri="{BB962C8B-B14F-4D97-AF65-F5344CB8AC3E}">
+        <p14:creationId xmlns:p14="http://schemas.microsoft.com/office/powerpoint/2010/main" val="3208517603"/>
+      </p:ext>
+    </p:extLst>
   </p:cSld>
   <p:clrMapOvr>
     <a:masterClrMapping/>
@@ -3186,9 +3239,9 @@
           <a:lstStyle/>
           <a:p>
             <a:fld id="{B61BEF0D-F0BB-DE4B-95CE-6DB70DBA9567}" type="datetimeFigureOut">
-              <a:rPr lang="en-US" dirty="0"/>
+              <a:rPr lang="en-US" smtClean="0"/>
               <a:pPr/>
-              <a:t>11/6/2017</a:t>
+              <a:t>11/12/2017</a:t>
             </a:fld>
             <a:endParaRPr lang="en-US" dirty="0"/>
           </a:p>
@@ -3229,7 +3282,7 @@
           <a:lstStyle/>
           <a:p>
             <a:fld id="{D57F1E4F-1CFF-5643-939E-217C01CDF565}" type="slidenum">
-              <a:rPr lang="en-US" dirty="0"/>
+              <a:rPr lang="en-US" smtClean="0"/>
               <a:pPr/>
               <a:t>‹#›</a:t>
             </a:fld>
@@ -3238,6 +3291,11 @@
         </p:txBody>
       </p:sp>
     </p:spTree>
+    <p:extLst>
+      <p:ext uri="{BB962C8B-B14F-4D97-AF65-F5344CB8AC3E}">
+        <p14:creationId xmlns:p14="http://schemas.microsoft.com/office/powerpoint/2010/main" val="1276236658"/>
+      </p:ext>
+    </p:extLst>
   </p:cSld>
   <p:clrMapOvr>
     <a:masterClrMapping/>
@@ -3415,8 +3473,8 @@
           <a:lstStyle/>
           <a:p>
             <a:fld id="{EB712588-04B1-427B-82EE-E8DB90309F08}" type="datetimeFigureOut">
-              <a:rPr lang="en-US" dirty="0"/>
-              <a:t>11/6/2017</a:t>
+              <a:rPr lang="en-US" smtClean="0"/>
+              <a:t>11/12/2017</a:t>
             </a:fld>
             <a:endParaRPr lang="en-US" dirty="0"/>
           </a:p>
@@ -3457,7 +3515,7 @@
           <a:lstStyle/>
           <a:p>
             <a:fld id="{6FF9F0C5-380F-41C2-899A-BAC0F0927E16}" type="slidenum">
-              <a:rPr lang="en-US" dirty="0"/>
+              <a:rPr lang="en-US" smtClean="0"/>
               <a:t>‹#›</a:t>
             </a:fld>
             <a:endParaRPr lang="en-US" dirty="0"/>
@@ -3465,6 +3523,11 @@
         </p:txBody>
       </p:sp>
     </p:spTree>
+    <p:extLst>
+      <p:ext uri="{BB962C8B-B14F-4D97-AF65-F5344CB8AC3E}">
+        <p14:creationId xmlns:p14="http://schemas.microsoft.com/office/powerpoint/2010/main" val="1591952855"/>
+      </p:ext>
+    </p:extLst>
   </p:cSld>
   <p:clrMapOvr>
     <a:masterClrMapping/>
@@ -3784,9 +3847,9 @@
           <a:lstStyle/>
           <a:p>
             <a:fld id="{B61BEF0D-F0BB-DE4B-95CE-6DB70DBA9567}" type="datetimeFigureOut">
-              <a:rPr lang="en-US" dirty="0"/>
+              <a:rPr lang="en-US" smtClean="0"/>
               <a:pPr/>
-              <a:t>11/6/2017</a:t>
+              <a:t>11/12/2017</a:t>
             </a:fld>
             <a:endParaRPr lang="en-US" dirty="0"/>
           </a:p>
@@ -3827,7 +3890,7 @@
           <a:lstStyle/>
           <a:p>
             <a:fld id="{D57F1E4F-1CFF-5643-939E-217C01CDF565}" type="slidenum">
-              <a:rPr lang="en-US" dirty="0"/>
+              <a:rPr lang="en-US" smtClean="0"/>
               <a:pPr/>
               <a:t>‹#›</a:t>
             </a:fld>
@@ -3836,6 +3899,11 @@
         </p:txBody>
       </p:sp>
     </p:spTree>
+    <p:extLst>
+      <p:ext uri="{BB962C8B-B14F-4D97-AF65-F5344CB8AC3E}">
+        <p14:creationId xmlns:p14="http://schemas.microsoft.com/office/powerpoint/2010/main" val="472886548"/>
+      </p:ext>
+    </p:extLst>
   </p:cSld>
   <p:clrMapOvr>
     <a:masterClrMapping/>
@@ -3904,9 +3972,9 @@
           <a:lstStyle/>
           <a:p>
             <a:fld id="{B61BEF0D-F0BB-DE4B-95CE-6DB70DBA9567}" type="datetimeFigureOut">
-              <a:rPr lang="en-US" dirty="0"/>
+              <a:rPr lang="en-US" smtClean="0"/>
               <a:pPr/>
-              <a:t>11/6/2017</a:t>
+              <a:t>11/12/2017</a:t>
             </a:fld>
             <a:endParaRPr lang="en-US" dirty="0"/>
           </a:p>
@@ -3947,7 +4015,7 @@
           <a:lstStyle/>
           <a:p>
             <a:fld id="{D57F1E4F-1CFF-5643-939E-217C01CDF565}" type="slidenum">
-              <a:rPr lang="en-US" dirty="0"/>
+              <a:rPr lang="en-US" smtClean="0"/>
               <a:pPr/>
               <a:t>‹#›</a:t>
             </a:fld>
@@ -3956,6 +4024,11 @@
         </p:txBody>
       </p:sp>
     </p:spTree>
+    <p:extLst>
+      <p:ext uri="{BB962C8B-B14F-4D97-AF65-F5344CB8AC3E}">
+        <p14:creationId xmlns:p14="http://schemas.microsoft.com/office/powerpoint/2010/main" val="3975595897"/>
+      </p:ext>
+    </p:extLst>
   </p:cSld>
   <p:clrMapOvr>
     <a:masterClrMapping/>
@@ -3996,9 +4069,9 @@
           <a:lstStyle/>
           <a:p>
             <a:fld id="{B61BEF0D-F0BB-DE4B-95CE-6DB70DBA9567}" type="datetimeFigureOut">
-              <a:rPr lang="en-US" dirty="0"/>
+              <a:rPr lang="en-US" smtClean="0"/>
               <a:pPr/>
-              <a:t>11/6/2017</a:t>
+              <a:t>11/12/2017</a:t>
             </a:fld>
             <a:endParaRPr lang="en-US" dirty="0"/>
           </a:p>
@@ -4039,7 +4112,7 @@
           <a:lstStyle/>
           <a:p>
             <a:fld id="{D57F1E4F-1CFF-5643-939E-217C01CDF565}" type="slidenum">
-              <a:rPr lang="en-US" dirty="0"/>
+              <a:rPr lang="en-US" smtClean="0"/>
               <a:pPr/>
               <a:t>‹#›</a:t>
             </a:fld>
@@ -4048,6 +4121,11 @@
         </p:txBody>
       </p:sp>
     </p:spTree>
+    <p:extLst>
+      <p:ext uri="{BB962C8B-B14F-4D97-AF65-F5344CB8AC3E}">
+        <p14:creationId xmlns:p14="http://schemas.microsoft.com/office/powerpoint/2010/main" val="3209042782"/>
+      </p:ext>
+    </p:extLst>
   </p:cSld>
   <p:clrMapOvr>
     <a:masterClrMapping/>
@@ -4248,8 +4326,8 @@
           <a:lstStyle/>
           <a:p>
             <a:fld id="{42A54C80-263E-416B-A8E0-580EDEADCBDC}" type="datetimeFigureOut">
-              <a:rPr lang="en-US" dirty="0"/>
-              <a:t>11/6/2017</a:t>
+              <a:rPr lang="en-US" smtClean="0"/>
+              <a:t>11/12/2017</a:t>
             </a:fld>
             <a:endParaRPr lang="en-US" dirty="0"/>
           </a:p>
@@ -4290,7 +4368,7 @@
           <a:lstStyle/>
           <a:p>
             <a:fld id="{519954A3-9DFD-4C44-94BA-B95130A3BA1C}" type="slidenum">
-              <a:rPr lang="en-US" dirty="0"/>
+              <a:rPr lang="en-US" smtClean="0"/>
               <a:t>‹#›</a:t>
             </a:fld>
             <a:endParaRPr lang="en-US" dirty="0"/>
@@ -4298,6 +4376,11 @@
         </p:txBody>
       </p:sp>
     </p:spTree>
+    <p:extLst>
+      <p:ext uri="{BB962C8B-B14F-4D97-AF65-F5344CB8AC3E}">
+        <p14:creationId xmlns:p14="http://schemas.microsoft.com/office/powerpoint/2010/main" val="3135149822"/>
+      </p:ext>
+    </p:extLst>
   </p:cSld>
   <p:clrMapOvr>
     <a:masterClrMapping/>
@@ -4506,9 +4589,9 @@
           <a:lstStyle/>
           <a:p>
             <a:fld id="{B61BEF0D-F0BB-DE4B-95CE-6DB70DBA9567}" type="datetimeFigureOut">
-              <a:rPr lang="en-US" dirty="0"/>
+              <a:rPr lang="en-US" smtClean="0"/>
               <a:pPr/>
-              <a:t>11/6/2017</a:t>
+              <a:t>11/12/2017</a:t>
             </a:fld>
             <a:endParaRPr lang="en-US" dirty="0"/>
           </a:p>
@@ -4549,7 +4632,7 @@
           <a:lstStyle/>
           <a:p>
             <a:fld id="{D57F1E4F-1CFF-5643-939E-217C01CDF565}" type="slidenum">
-              <a:rPr lang="en-US" dirty="0"/>
+              <a:rPr lang="en-US" smtClean="0"/>
               <a:pPr/>
               <a:t>‹#›</a:t>
             </a:fld>
@@ -4558,6 +4641,11 @@
         </p:txBody>
       </p:sp>
     </p:spTree>
+    <p:extLst>
+      <p:ext uri="{BB962C8B-B14F-4D97-AF65-F5344CB8AC3E}">
+        <p14:creationId xmlns:p14="http://schemas.microsoft.com/office/powerpoint/2010/main" val="201682048"/>
+      </p:ext>
+    </p:extLst>
   </p:cSld>
   <p:clrMapOvr>
     <a:masterClrMapping/>
@@ -5246,9 +5334,9 @@
           </a:lstStyle>
           <a:p>
             <a:fld id="{B61BEF0D-F0BB-DE4B-95CE-6DB70DBA9567}" type="datetimeFigureOut">
-              <a:rPr lang="en-US" dirty="0"/>
+              <a:rPr lang="en-US" smtClean="0"/>
               <a:pPr/>
-              <a:t>11/6/2017</a:t>
+              <a:t>11/12/2017</a:t>
             </a:fld>
             <a:endParaRPr lang="en-US" dirty="0"/>
           </a:p>
@@ -5323,7 +5411,7 @@
           </a:lstStyle>
           <a:p>
             <a:fld id="{D57F1E4F-1CFF-5643-939E-217C01CDF565}" type="slidenum">
-              <a:rPr lang="en-US" dirty="0"/>
+              <a:rPr lang="en-US" smtClean="0"/>
               <a:pPr/>
               <a:t>‹#›</a:t>
             </a:fld>
@@ -5332,25 +5420,30 @@
         </p:txBody>
       </p:sp>
     </p:spTree>
+    <p:extLst>
+      <p:ext uri="{BB962C8B-B14F-4D97-AF65-F5344CB8AC3E}">
+        <p14:creationId xmlns:p14="http://schemas.microsoft.com/office/powerpoint/2010/main" val="301879623"/>
+      </p:ext>
+    </p:extLst>
   </p:cSld>
   <p:clrMap bg1="lt1" tx1="dk1" bg2="lt2" tx2="dk2" accent1="accent1" accent2="accent2" accent3="accent3" accent4="accent4" accent5="accent5" accent6="accent6" hlink="hlink" folHlink="folHlink"/>
   <p:sldLayoutIdLst>
-    <p:sldLayoutId id="2147483649" r:id="rId1"/>
-    <p:sldLayoutId id="2147483650" r:id="rId2"/>
-    <p:sldLayoutId id="2147483651" r:id="rId3"/>
-    <p:sldLayoutId id="2147483665" r:id="rId4"/>
-    <p:sldLayoutId id="2147483653" r:id="rId5"/>
-    <p:sldLayoutId id="2147483654" r:id="rId6"/>
-    <p:sldLayoutId id="2147483655" r:id="rId7"/>
-    <p:sldLayoutId id="2147483666" r:id="rId8"/>
-    <p:sldLayoutId id="2147483657" r:id="rId9"/>
-    <p:sldLayoutId id="2147483660" r:id="rId10"/>
-    <p:sldLayoutId id="2147483661" r:id="rId11"/>
-    <p:sldLayoutId id="2147483662" r:id="rId12"/>
-    <p:sldLayoutId id="2147483663" r:id="rId13"/>
-    <p:sldLayoutId id="2147483664" r:id="rId14"/>
-    <p:sldLayoutId id="2147483667" r:id="rId15"/>
-    <p:sldLayoutId id="2147483659" r:id="rId16"/>
+    <p:sldLayoutId id="2147483681" r:id="rId1"/>
+    <p:sldLayoutId id="2147483682" r:id="rId2"/>
+    <p:sldLayoutId id="2147483683" r:id="rId3"/>
+    <p:sldLayoutId id="2147483684" r:id="rId4"/>
+    <p:sldLayoutId id="2147483685" r:id="rId5"/>
+    <p:sldLayoutId id="2147483686" r:id="rId6"/>
+    <p:sldLayoutId id="2147483687" r:id="rId7"/>
+    <p:sldLayoutId id="2147483688" r:id="rId8"/>
+    <p:sldLayoutId id="2147483689" r:id="rId9"/>
+    <p:sldLayoutId id="2147483690" r:id="rId10"/>
+    <p:sldLayoutId id="2147483691" r:id="rId11"/>
+    <p:sldLayoutId id="2147483692" r:id="rId12"/>
+    <p:sldLayoutId id="2147483693" r:id="rId13"/>
+    <p:sldLayoutId id="2147483694" r:id="rId14"/>
+    <p:sldLayoutId id="2147483695" r:id="rId15"/>
+    <p:sldLayoutId id="2147483696" r:id="rId16"/>
   </p:sldLayoutIdLst>
   <p:txStyles>
     <p:titleStyle>
@@ -5778,7 +5871,12 @@
             <p:ph type="ctrTitle"/>
           </p:nvPr>
         </p:nvSpPr>
-        <p:spPr/>
+        <p:spPr>
+          <a:xfrm>
+            <a:off x="1507067" y="2404533"/>
+            <a:ext cx="7766936" cy="852473"/>
+          </a:xfrm>
+        </p:spPr>
         <p:txBody>
           <a:bodyPr/>
           <a:lstStyle/>
@@ -5786,19 +5884,15 @@
             <a:pPr algn="ctr"/>
             <a:r>
               <a:rPr lang="en-US" dirty="0" smtClean="0"/>
-              <a:t>Browser extension</a:t>
-            </a:r>
-            <a:r>
-              <a:rPr lang="en-US" dirty="0"/>
-              <a:t> </a:t>
-            </a:r>
-            <a:r>
-              <a:rPr lang="ru-RU" dirty="0" smtClean="0"/>
-              <a:t>плюс</a:t>
+              <a:t>Native </a:t>
             </a:r>
             <a:r>
               <a:rPr lang="en-US" dirty="0" smtClean="0"/>
-              <a:t> Native messaging</a:t>
+              <a:t>messaging + Browser </a:t>
+            </a:r>
+            <a:r>
+              <a:rPr lang="en-US" dirty="0" err="1" smtClean="0"/>
+              <a:t>Exetnsion</a:t>
             </a:r>
             <a:endParaRPr lang="ru-RU" dirty="0"/>
           </a:p>
@@ -5814,9 +5908,16 @@
             <p:ph type="subTitle" idx="1"/>
           </p:nvPr>
         </p:nvSpPr>
-        <p:spPr/>
-        <p:txBody>
-          <a:bodyPr/>
+        <p:spPr>
+          <a:xfrm>
+            <a:off x="1507067" y="3528320"/>
+            <a:ext cx="7766936" cy="355704"/>
+          </a:xfrm>
+        </p:spPr>
+        <p:txBody>
+          <a:bodyPr>
+            <a:normAutofit lnSpcReduction="10000"/>
+          </a:bodyPr>
           <a:lstStyle/>
           <a:p>
             <a:r>
@@ -5867,11 +5968,592 @@
             <p:ph type="title"/>
           </p:nvPr>
         </p:nvSpPr>
-        <p:spPr/>
+        <p:spPr>
+          <a:xfrm>
+            <a:off x="677334" y="357051"/>
+            <a:ext cx="8596668" cy="670560"/>
+          </a:xfrm>
+        </p:spPr>
+        <p:txBody>
+          <a:bodyPr>
+            <a:normAutofit fontScale="90000"/>
+          </a:bodyPr>
+          <a:lstStyle/>
+          <a:p>
+            <a:r>
+              <a:rPr lang="ru-RU" dirty="0" err="1"/>
+              <a:t>whoami</a:t>
+            </a:r>
+            <a:r>
+              <a:rPr lang="ru-RU" dirty="0"/>
+              <a:t/>
+            </a:r>
+            <a:br>
+              <a:rPr lang="ru-RU" dirty="0"/>
+            </a:br>
+            <a:endParaRPr lang="ru-RU" dirty="0"/>
+          </a:p>
+        </p:txBody>
+      </p:sp>
+      <p:sp>
+        <p:nvSpPr>
+          <p:cNvPr id="3" name="Объект 2"/>
+          <p:cNvSpPr>
+            <a:spLocks noGrp="1"/>
+          </p:cNvSpPr>
+          <p:nvPr>
+            <p:ph idx="1"/>
+          </p:nvPr>
+        </p:nvSpPr>
+        <p:spPr>
+          <a:xfrm>
+            <a:off x="677334" y="1027611"/>
+            <a:ext cx="8596668" cy="3880773"/>
+          </a:xfrm>
+        </p:spPr>
         <p:txBody>
           <a:bodyPr/>
           <a:lstStyle/>
           <a:p>
+            <a:r>
+              <a:rPr lang="ru-RU" dirty="0" err="1" smtClean="0"/>
+              <a:t>Гуменюк</a:t>
+            </a:r>
+            <a:r>
+              <a:rPr lang="ru-RU" dirty="0" smtClean="0"/>
+              <a:t> Алексей</a:t>
+            </a:r>
+          </a:p>
+          <a:p>
+            <a:r>
+              <a:rPr lang="ru-RU" dirty="0" err="1" smtClean="0"/>
+              <a:t>Комания</a:t>
+            </a:r>
+            <a:r>
+              <a:rPr lang="ru-RU" dirty="0" smtClean="0"/>
+              <a:t> </a:t>
+            </a:r>
+            <a:r>
+              <a:rPr lang="ru-RU" dirty="0" err="1" smtClean="0"/>
+              <a:t>Крок</a:t>
+            </a:r>
+            <a:r>
+              <a:rPr lang="en-US" dirty="0" smtClean="0"/>
+              <a:t> (</a:t>
+            </a:r>
+            <a:r>
+              <a:rPr lang="en-US" dirty="0">
+                <a:hlinkClick r:id="rId2"/>
+              </a:rPr>
+              <a:t>https://croc.ru</a:t>
+            </a:r>
+            <a:r>
+              <a:rPr lang="en-US" dirty="0" smtClean="0">
+                <a:hlinkClick r:id="rId2"/>
+              </a:rPr>
+              <a:t>/</a:t>
+            </a:r>
+            <a:r>
+              <a:rPr lang="en-US" dirty="0" smtClean="0"/>
+              <a:t>)</a:t>
+            </a:r>
+            <a:r>
+              <a:rPr lang="ru-RU" dirty="0" smtClean="0"/>
+              <a:t>, которая является одним из ведущих игроков на рынке России в области разработки, внедрения и сервисе комплексных информационных систем.</a:t>
+            </a:r>
+          </a:p>
+          <a:p>
+            <a:r>
+              <a:rPr lang="ru-RU" dirty="0" smtClean="0"/>
+              <a:t>Занимаюсь разработкой приложений уровня предприятия.</a:t>
+            </a:r>
+          </a:p>
+          <a:p>
+            <a:r>
+              <a:rPr lang="ru-RU" dirty="0" smtClean="0"/>
+              <a:t>Разработка на </a:t>
+            </a:r>
+            <a:r>
+              <a:rPr lang="en-US" dirty="0" smtClean="0"/>
+              <a:t>Java c 2011</a:t>
+            </a:r>
+            <a:r>
+              <a:rPr lang="ru-RU" dirty="0" smtClean="0"/>
+              <a:t>г.</a:t>
+            </a:r>
+            <a:endParaRPr lang="en-US" dirty="0" smtClean="0"/>
+          </a:p>
+          <a:p>
+            <a:r>
+              <a:rPr lang="en-US" dirty="0" smtClean="0"/>
+              <a:t>https</a:t>
+            </a:r>
+            <a:r>
+              <a:rPr lang="en-US" dirty="0"/>
+              <a:t>://github.com/croacker/native-messaging-example</a:t>
+            </a:r>
+            <a:endParaRPr lang="ru-RU" dirty="0"/>
+          </a:p>
+        </p:txBody>
+      </p:sp>
+    </p:spTree>
+    <p:extLst>
+      <p:ext uri="{BB962C8B-B14F-4D97-AF65-F5344CB8AC3E}">
+        <p14:creationId xmlns:p14="http://schemas.microsoft.com/office/powerpoint/2010/main" val="691475551"/>
+      </p:ext>
+    </p:extLst>
+  </p:cSld>
+  <p:clrMapOvr>
+    <a:masterClrMapping/>
+  </p:clrMapOvr>
+</p:sld>
+</file>
+
+<file path=ppt/slides/slide3.xml><?xml version="1.0" encoding="utf-8"?>
+<p:sld xmlns:a="http://schemas.openxmlformats.org/drawingml/2006/main" xmlns:r="http://schemas.openxmlformats.org/officeDocument/2006/relationships" xmlns:p="http://schemas.openxmlformats.org/presentationml/2006/main">
+  <p:cSld>
+    <p:spTree>
+      <p:nvGrpSpPr>
+        <p:cNvPr id="1" name=""/>
+        <p:cNvGrpSpPr/>
+        <p:nvPr/>
+      </p:nvGrpSpPr>
+      <p:grpSpPr>
+        <a:xfrm>
+          <a:off x="0" y="0"/>
+          <a:ext cx="0" cy="0"/>
+          <a:chOff x="0" y="0"/>
+          <a:chExt cx="0" cy="0"/>
+        </a:xfrm>
+      </p:grpSpPr>
+      <p:sp>
+        <p:nvSpPr>
+          <p:cNvPr id="2" name="Заголовок 1"/>
+          <p:cNvSpPr>
+            <a:spLocks noGrp="1"/>
+          </p:cNvSpPr>
+          <p:nvPr>
+            <p:ph type="title"/>
+          </p:nvPr>
+        </p:nvSpPr>
+        <p:spPr>
+          <a:xfrm>
+            <a:off x="677334" y="209005"/>
+            <a:ext cx="8596668" cy="696686"/>
+          </a:xfrm>
+        </p:spPr>
+        <p:txBody>
+          <a:bodyPr>
+            <a:normAutofit/>
+          </a:bodyPr>
+          <a:lstStyle/>
+          <a:p>
+            <a:r>
+              <a:rPr lang="en-US" i="1" dirty="0"/>
+              <a:t>Things to </a:t>
+            </a:r>
+            <a:r>
+              <a:rPr lang="en-US" i="1" dirty="0" smtClean="0"/>
+              <a:t>do </a:t>
+            </a:r>
+            <a:r>
+              <a:rPr lang="en-US" i="1" dirty="0"/>
+              <a:t>in Denver </a:t>
+            </a:r>
+            <a:r>
+              <a:rPr lang="en-US" i="1" dirty="0" smtClean="0"/>
+              <a:t>when you're dead</a:t>
+            </a:r>
+            <a:endParaRPr lang="ru-RU" dirty="0"/>
+          </a:p>
+        </p:txBody>
+      </p:sp>
+      <p:sp>
+        <p:nvSpPr>
+          <p:cNvPr id="3" name="Объект 2"/>
+          <p:cNvSpPr>
+            <a:spLocks noGrp="1"/>
+          </p:cNvSpPr>
+          <p:nvPr>
+            <p:ph idx="1"/>
+          </p:nvPr>
+        </p:nvSpPr>
+        <p:spPr>
+          <a:xfrm>
+            <a:off x="677334" y="975361"/>
+            <a:ext cx="8596668" cy="5066002"/>
+          </a:xfrm>
+        </p:spPr>
+        <p:txBody>
+          <a:bodyPr/>
+          <a:lstStyle/>
+          <a:p>
+            <a:r>
+              <a:rPr lang="ru-RU" dirty="0" smtClean="0"/>
+              <a:t>Главное - выбраться за границы возможностей предоставляемых браузером</a:t>
+            </a:r>
+          </a:p>
+          <a:p>
+            <a:r>
+              <a:rPr lang="ru-RU" dirty="0" smtClean="0"/>
+              <a:t>Мы </a:t>
+            </a:r>
+            <a:r>
+              <a:rPr lang="ru-RU" dirty="0"/>
+              <a:t>поговорим о том, что такое расширения, зачем они нужны и почему </a:t>
+            </a:r>
+            <a:r>
+              <a:rPr lang="ru-RU" dirty="0" smtClean="0"/>
+              <a:t>появились</a:t>
+            </a:r>
+          </a:p>
+          <a:p>
+            <a:r>
+              <a:rPr lang="ru-RU" dirty="0" smtClean="0"/>
+              <a:t>Создадим простое расширение выполняющее конкретную задачу</a:t>
+            </a:r>
+            <a:endParaRPr lang="ru-RU" dirty="0"/>
+          </a:p>
+          <a:p>
+            <a:r>
+              <a:rPr lang="ru-RU" dirty="0" smtClean="0"/>
+              <a:t>Что могут и че</a:t>
+            </a:r>
+            <a:r>
+              <a:rPr lang="ru-RU" dirty="0" smtClean="0"/>
+              <a:t>го</a:t>
+            </a:r>
+            <a:r>
+              <a:rPr lang="ru-RU" dirty="0" smtClean="0"/>
+              <a:t> </a:t>
+            </a:r>
+            <a:r>
+              <a:rPr lang="ru-RU" dirty="0"/>
+              <a:t>не могут делать расширения для браузера.</a:t>
+            </a:r>
+          </a:p>
+          <a:p>
+            <a:r>
+              <a:rPr lang="ru-RU" dirty="0"/>
+              <a:t>Что такое приложение хоста и </a:t>
+            </a:r>
+            <a:r>
+              <a:rPr lang="ru-RU" dirty="0" err="1"/>
+              <a:t>Native</a:t>
+            </a:r>
+            <a:r>
+              <a:rPr lang="ru-RU" dirty="0"/>
+              <a:t> </a:t>
+            </a:r>
+            <a:r>
+              <a:rPr lang="ru-RU" dirty="0" err="1"/>
+              <a:t>messaging</a:t>
+            </a:r>
+            <a:r>
+              <a:rPr lang="ru-RU" dirty="0"/>
+              <a:t>. </a:t>
+            </a:r>
+            <a:endParaRPr lang="ru-RU" dirty="0" smtClean="0"/>
+          </a:p>
+          <a:p>
+            <a:r>
+              <a:rPr lang="ru-RU" dirty="0" smtClean="0"/>
+              <a:t>Создадим приложение хоста и наладим коммуникации между ним и расширением</a:t>
+            </a:r>
+          </a:p>
+          <a:p>
+            <a:r>
+              <a:rPr lang="ru-RU" dirty="0" smtClean="0"/>
+              <a:t>Рассмотрим подводные камни</a:t>
+            </a:r>
+          </a:p>
+          <a:p>
+            <a:r>
+              <a:rPr lang="ru-RU" dirty="0" smtClean="0"/>
+              <a:t>Обсудим альтернативы</a:t>
+            </a:r>
+            <a:endParaRPr lang="ru-RU" dirty="0"/>
+          </a:p>
+        </p:txBody>
+      </p:sp>
+    </p:spTree>
+    <p:extLst>
+      <p:ext uri="{BB962C8B-B14F-4D97-AF65-F5344CB8AC3E}">
+        <p14:creationId xmlns:p14="http://schemas.microsoft.com/office/powerpoint/2010/main" val="3362600064"/>
+      </p:ext>
+    </p:extLst>
+  </p:cSld>
+  <p:clrMapOvr>
+    <a:masterClrMapping/>
+  </p:clrMapOvr>
+</p:sld>
+</file>
+
+<file path=ppt/slides/slide4.xml><?xml version="1.0" encoding="utf-8"?>
+<p:sld xmlns:a="http://schemas.openxmlformats.org/drawingml/2006/main" xmlns:r="http://schemas.openxmlformats.org/officeDocument/2006/relationships" xmlns:p="http://schemas.openxmlformats.org/presentationml/2006/main">
+  <p:cSld>
+    <p:spTree>
+      <p:nvGrpSpPr>
+        <p:cNvPr id="1" name=""/>
+        <p:cNvGrpSpPr/>
+        <p:nvPr/>
+      </p:nvGrpSpPr>
+      <p:grpSpPr>
+        <a:xfrm>
+          <a:off x="0" y="0"/>
+          <a:ext cx="0" cy="0"/>
+          <a:chOff x="0" y="0"/>
+          <a:chExt cx="0" cy="0"/>
+        </a:xfrm>
+      </p:grpSpPr>
+      <p:sp>
+        <p:nvSpPr>
+          <p:cNvPr id="2" name="Заголовок 1"/>
+          <p:cNvSpPr>
+            <a:spLocks noGrp="1"/>
+          </p:cNvSpPr>
+          <p:nvPr>
+            <p:ph type="title"/>
+          </p:nvPr>
+        </p:nvSpPr>
+        <p:spPr>
+          <a:xfrm>
+            <a:off x="0" y="0"/>
+            <a:ext cx="9274002" cy="906326"/>
+          </a:xfrm>
+        </p:spPr>
+        <p:txBody>
+          <a:bodyPr/>
+          <a:lstStyle/>
+          <a:p>
+            <a:r>
+              <a:rPr lang="ru-RU" dirty="0" smtClean="0"/>
+              <a:t>Расширения для браузера и не только</a:t>
+            </a:r>
+            <a:endParaRPr lang="ru-RU" dirty="0"/>
+          </a:p>
+        </p:txBody>
+      </p:sp>
+      <p:sp>
+        <p:nvSpPr>
+          <p:cNvPr id="3" name="Объект 2"/>
+          <p:cNvSpPr>
+            <a:spLocks noGrp="1"/>
+          </p:cNvSpPr>
+          <p:nvPr>
+            <p:ph idx="1"/>
+          </p:nvPr>
+        </p:nvSpPr>
+        <p:spPr>
+          <a:xfrm>
+            <a:off x="677334" y="906326"/>
+            <a:ext cx="8596668" cy="5477057"/>
+          </a:xfrm>
+        </p:spPr>
+        <p:txBody>
+          <a:bodyPr/>
+          <a:lstStyle/>
+          <a:p>
+            <a:pPr marL="0" indent="0">
+              <a:buNone/>
+            </a:pPr>
+            <a:r>
+              <a:rPr lang="ru-RU" dirty="0" smtClean="0"/>
+              <a:t>Модульная архитектура современного ПО</a:t>
+            </a:r>
+          </a:p>
+          <a:p>
+            <a:pPr>
+              <a:buAutoNum type="arabicPeriod"/>
+            </a:pPr>
+            <a:r>
+              <a:rPr lang="ru-RU" dirty="0" smtClean="0"/>
+              <a:t>Избавляет </a:t>
+            </a:r>
+            <a:r>
+              <a:rPr lang="ru-RU" dirty="0" err="1" smtClean="0"/>
+              <a:t>вендора</a:t>
+            </a:r>
+            <a:r>
+              <a:rPr lang="ru-RU" dirty="0" smtClean="0"/>
+              <a:t> от лишних расходов по разработке функциональности</a:t>
+            </a:r>
+          </a:p>
+          <a:p>
+            <a:pPr>
+              <a:buAutoNum type="arabicPeriod"/>
+            </a:pPr>
+            <a:r>
+              <a:rPr lang="ru-RU" dirty="0" smtClean="0"/>
+              <a:t>Развязывает руки сторонним разработчикам с их смелыми идеями</a:t>
+            </a:r>
+          </a:p>
+          <a:p>
+            <a:pPr>
+              <a:buAutoNum type="arabicPeriod"/>
+            </a:pPr>
+            <a:r>
+              <a:rPr lang="ru-RU" dirty="0" smtClean="0"/>
+              <a:t>Если точка интеграции получилась удобной, добавляет </a:t>
+            </a:r>
+            <a:r>
+              <a:rPr lang="ru-RU" dirty="0" err="1" smtClean="0"/>
+              <a:t>вендору</a:t>
+            </a:r>
+            <a:r>
+              <a:rPr lang="ru-RU" dirty="0" smtClean="0"/>
+              <a:t> очков престижа</a:t>
+            </a:r>
+          </a:p>
+          <a:p>
+            <a:pPr>
+              <a:buAutoNum type="arabicPeriod"/>
+            </a:pPr>
+            <a:r>
+              <a:rPr lang="ru-RU" dirty="0" smtClean="0"/>
+              <a:t>Диверсифицирует новую функциональность</a:t>
+            </a:r>
+          </a:p>
+          <a:p>
+            <a:pPr marL="0" indent="0">
+              <a:buNone/>
+            </a:pPr>
+            <a:endParaRPr lang="ru-RU" dirty="0"/>
+          </a:p>
+          <a:p>
+            <a:pPr marL="0" indent="0">
+              <a:buNone/>
+            </a:pPr>
+            <a:r>
+              <a:rPr lang="ru-RU" dirty="0" smtClean="0"/>
+              <a:t>Наше время, расширения для браузера – модуль(</a:t>
+            </a:r>
+            <a:r>
+              <a:rPr lang="en-US" dirty="0" smtClean="0"/>
+              <a:t>plug-in</a:t>
+            </a:r>
+            <a:r>
+              <a:rPr lang="ru-RU" dirty="0" smtClean="0"/>
+              <a:t>, </a:t>
+            </a:r>
+            <a:r>
+              <a:rPr lang="en-US" dirty="0" smtClean="0"/>
+              <a:t>add-on</a:t>
+            </a:r>
+            <a:r>
+              <a:rPr lang="ru-RU" dirty="0" smtClean="0"/>
+              <a:t>, </a:t>
+            </a:r>
+            <a:r>
+              <a:rPr lang="en-US" dirty="0" smtClean="0"/>
+              <a:t>extension</a:t>
+            </a:r>
+            <a:r>
+              <a:rPr lang="ru-RU" dirty="0" smtClean="0"/>
+              <a:t>)</a:t>
+            </a:r>
+          </a:p>
+          <a:p>
+            <a:pPr>
+              <a:buAutoNum type="arabicPeriod"/>
+            </a:pPr>
+            <a:r>
+              <a:rPr lang="ru-RU" dirty="0" smtClean="0"/>
+              <a:t>Обогащающий функциональность браузера</a:t>
+            </a:r>
+            <a:endParaRPr lang="ru-RU" dirty="0"/>
+          </a:p>
+          <a:p>
+            <a:pPr>
+              <a:buAutoNum type="arabicPeriod"/>
+            </a:pPr>
+            <a:r>
+              <a:rPr lang="ru-RU" dirty="0" smtClean="0"/>
+              <a:t>Изменяющий функциональность</a:t>
+            </a:r>
+          </a:p>
+          <a:p>
+            <a:pPr>
+              <a:buAutoNum type="arabicPeriod"/>
+            </a:pPr>
+            <a:r>
+              <a:rPr lang="ru-RU" dirty="0" smtClean="0"/>
+              <a:t>Изменяющий внешний вид</a:t>
+            </a:r>
+          </a:p>
+          <a:p>
+            <a:pPr>
+              <a:buAutoNum type="arabicPeriod"/>
+            </a:pPr>
+            <a:endParaRPr lang="ru-RU" dirty="0" smtClean="0"/>
+          </a:p>
+          <a:p>
+            <a:pPr marL="0" indent="0">
+              <a:buNone/>
+            </a:pPr>
+            <a:r>
+              <a:rPr lang="ru-RU" dirty="0" smtClean="0"/>
+              <a:t>Модуль – потому что самостоятельно исполняться не может</a:t>
+            </a:r>
+            <a:endParaRPr lang="ru-RU" dirty="0"/>
+          </a:p>
+        </p:txBody>
+      </p:sp>
+    </p:spTree>
+    <p:extLst>
+      <p:ext uri="{BB962C8B-B14F-4D97-AF65-F5344CB8AC3E}">
+        <p14:creationId xmlns:p14="http://schemas.microsoft.com/office/powerpoint/2010/main" val="2812158392"/>
+      </p:ext>
+    </p:extLst>
+  </p:cSld>
+  <p:clrMapOvr>
+    <a:masterClrMapping/>
+  </p:clrMapOvr>
+</p:sld>
+</file>
+
+<file path=ppt/slides/slide5.xml><?xml version="1.0" encoding="utf-8"?>
+<p:sld xmlns:a="http://schemas.openxmlformats.org/drawingml/2006/main" xmlns:r="http://schemas.openxmlformats.org/officeDocument/2006/relationships" xmlns:p="http://schemas.openxmlformats.org/presentationml/2006/main">
+  <p:cSld>
+    <p:spTree>
+      <p:nvGrpSpPr>
+        <p:cNvPr id="1" name=""/>
+        <p:cNvGrpSpPr/>
+        <p:nvPr/>
+      </p:nvGrpSpPr>
+      <p:grpSpPr>
+        <a:xfrm>
+          <a:off x="0" y="0"/>
+          <a:ext cx="0" cy="0"/>
+          <a:chOff x="0" y="0"/>
+          <a:chExt cx="0" cy="0"/>
+        </a:xfrm>
+      </p:grpSpPr>
+      <p:sp>
+        <p:nvSpPr>
+          <p:cNvPr id="2" name="Заголовок 1"/>
+          <p:cNvSpPr>
+            <a:spLocks noGrp="1"/>
+          </p:cNvSpPr>
+          <p:nvPr>
+            <p:ph type="title"/>
+          </p:nvPr>
+        </p:nvSpPr>
+        <p:spPr>
+          <a:xfrm>
+            <a:off x="2011680" y="113211"/>
+            <a:ext cx="5677361" cy="714103"/>
+          </a:xfrm>
+        </p:spPr>
+        <p:txBody>
+          <a:bodyPr/>
+          <a:lstStyle/>
+          <a:p>
+            <a:pPr algn="ctr"/>
+            <a:r>
+              <a:rPr lang="ru-RU" dirty="0" smtClean="0"/>
+              <a:t>Эволюция расширений</a:t>
+            </a:r>
             <a:endParaRPr lang="ru-RU" dirty="0"/>
           </a:p>
         </p:txBody>
@@ -5900,11 +6582,319 @@
         </p:blipFill>
         <p:spPr>
           <a:xfrm>
-            <a:off x="67288" y="0"/>
-            <a:ext cx="3651273" cy="2665549"/>
+            <a:off x="0" y="0"/>
+            <a:ext cx="1813210" cy="1323703"/>
           </a:xfrm>
         </p:spPr>
       </p:pic>
+      <p:sp>
+        <p:nvSpPr>
+          <p:cNvPr id="8" name="Скругленный прямоугольник 7"/>
+          <p:cNvSpPr/>
+          <p:nvPr/>
+        </p:nvSpPr>
+        <p:spPr>
+          <a:xfrm>
+            <a:off x="478971" y="1872342"/>
+            <a:ext cx="1479600" cy="871200"/>
+          </a:xfrm>
+          <a:prstGeom prst="roundRect">
+            <a:avLst/>
+          </a:prstGeom>
+        </p:spPr>
+        <p:style>
+          <a:lnRef idx="2">
+            <a:schemeClr val="accent1"/>
+          </a:lnRef>
+          <a:fillRef idx="1">
+            <a:schemeClr val="lt1"/>
+          </a:fillRef>
+          <a:effectRef idx="0">
+            <a:schemeClr val="accent1"/>
+          </a:effectRef>
+          <a:fontRef idx="minor">
+            <a:schemeClr val="dk1"/>
+          </a:fontRef>
+        </p:style>
+        <p:txBody>
+          <a:bodyPr rtlCol="0" anchor="ctr"/>
+          <a:lstStyle/>
+          <a:p>
+            <a:pPr algn="ctr"/>
+            <a:r>
+              <a:rPr lang="en-US" sz="2000" dirty="0">
+                <a:solidFill>
+                  <a:schemeClr val="tx1"/>
+                </a:solidFill>
+              </a:rPr>
+              <a:t>p</a:t>
+            </a:r>
+            <a:r>
+              <a:rPr lang="en-US" sz="2000" dirty="0" smtClean="0">
+                <a:solidFill>
+                  <a:schemeClr val="tx1"/>
+                </a:solidFill>
+              </a:rPr>
+              <a:t>roxy</a:t>
+            </a:r>
+            <a:endParaRPr lang="ru-RU" sz="2000" dirty="0">
+              <a:solidFill>
+                <a:schemeClr val="tx1"/>
+              </a:solidFill>
+            </a:endParaRPr>
+          </a:p>
+        </p:txBody>
+      </p:sp>
+      <p:sp>
+        <p:nvSpPr>
+          <p:cNvPr id="9" name="Скругленный прямоугольник 8"/>
+          <p:cNvSpPr/>
+          <p:nvPr/>
+        </p:nvSpPr>
+        <p:spPr>
+          <a:xfrm>
+            <a:off x="2760045" y="1872342"/>
+            <a:ext cx="1480457" cy="870857"/>
+          </a:xfrm>
+          <a:prstGeom prst="roundRect">
+            <a:avLst/>
+          </a:prstGeom>
+        </p:spPr>
+        <p:style>
+          <a:lnRef idx="2">
+            <a:schemeClr val="accent1"/>
+          </a:lnRef>
+          <a:fillRef idx="1">
+            <a:schemeClr val="lt1"/>
+          </a:fillRef>
+          <a:effectRef idx="0">
+            <a:schemeClr val="accent1"/>
+          </a:effectRef>
+          <a:fontRef idx="minor">
+            <a:schemeClr val="dk1"/>
+          </a:fontRef>
+        </p:style>
+        <p:txBody>
+          <a:bodyPr rtlCol="0" anchor="ctr"/>
+          <a:lstStyle/>
+          <a:p>
+            <a:pPr algn="ctr"/>
+            <a:r>
+              <a:rPr lang="en-US" sz="2000" dirty="0" err="1" smtClean="0">
+                <a:solidFill>
+                  <a:schemeClr val="tx1"/>
+                </a:solidFill>
+              </a:rPr>
+              <a:t>userscript</a:t>
+            </a:r>
+            <a:endParaRPr lang="en-US" sz="2000" dirty="0" smtClean="0">
+              <a:solidFill>
+                <a:schemeClr val="tx1"/>
+              </a:solidFill>
+            </a:endParaRPr>
+          </a:p>
+        </p:txBody>
+      </p:sp>
+      <p:sp>
+        <p:nvSpPr>
+          <p:cNvPr id="10" name="Скругленный прямоугольник 9"/>
+          <p:cNvSpPr/>
+          <p:nvPr/>
+        </p:nvSpPr>
+        <p:spPr>
+          <a:xfrm>
+            <a:off x="5041976" y="1872342"/>
+            <a:ext cx="1480457" cy="870857"/>
+          </a:xfrm>
+          <a:prstGeom prst="roundRect">
+            <a:avLst/>
+          </a:prstGeom>
+        </p:spPr>
+        <p:style>
+          <a:lnRef idx="2">
+            <a:schemeClr val="accent1"/>
+          </a:lnRef>
+          <a:fillRef idx="1">
+            <a:schemeClr val="lt1"/>
+          </a:fillRef>
+          <a:effectRef idx="0">
+            <a:schemeClr val="accent1"/>
+          </a:effectRef>
+          <a:fontRef idx="minor">
+            <a:schemeClr val="dk1"/>
+          </a:fontRef>
+        </p:style>
+        <p:txBody>
+          <a:bodyPr rtlCol="0" anchor="ctr"/>
+          <a:lstStyle/>
+          <a:p>
+            <a:pPr algn="ctr"/>
+            <a:r>
+              <a:rPr lang="en-US" sz="2000" dirty="0">
+                <a:solidFill>
+                  <a:schemeClr val="tx1"/>
+                </a:solidFill>
+              </a:rPr>
+              <a:t>o</a:t>
+            </a:r>
+            <a:r>
+              <a:rPr lang="en-US" sz="2000" dirty="0" smtClean="0">
+                <a:solidFill>
+                  <a:schemeClr val="tx1"/>
+                </a:solidFill>
+              </a:rPr>
+              <a:t>ld extension</a:t>
+            </a:r>
+          </a:p>
+        </p:txBody>
+      </p:sp>
+      <p:sp>
+        <p:nvSpPr>
+          <p:cNvPr id="11" name="Скругленный прямоугольник 10"/>
+          <p:cNvSpPr/>
+          <p:nvPr/>
+        </p:nvSpPr>
+        <p:spPr>
+          <a:xfrm>
+            <a:off x="7323908" y="1872342"/>
+            <a:ext cx="1480457" cy="870857"/>
+          </a:xfrm>
+          <a:prstGeom prst="roundRect">
+            <a:avLst/>
+          </a:prstGeom>
+        </p:spPr>
+        <p:style>
+          <a:lnRef idx="2">
+            <a:schemeClr val="accent1"/>
+          </a:lnRef>
+          <a:fillRef idx="1">
+            <a:schemeClr val="lt1"/>
+          </a:fillRef>
+          <a:effectRef idx="0">
+            <a:schemeClr val="accent1"/>
+          </a:effectRef>
+          <a:fontRef idx="minor">
+            <a:schemeClr val="dk1"/>
+          </a:fontRef>
+        </p:style>
+        <p:txBody>
+          <a:bodyPr rtlCol="0" anchor="ctr"/>
+          <a:lstStyle/>
+          <a:p>
+            <a:pPr algn="ctr"/>
+            <a:r>
+              <a:rPr lang="en-US" sz="2000" dirty="0" smtClean="0">
+                <a:solidFill>
+                  <a:schemeClr val="tx1"/>
+                </a:solidFill>
+              </a:rPr>
+              <a:t>modern extension</a:t>
+            </a:r>
+          </a:p>
+        </p:txBody>
+      </p:sp>
+      <p:cxnSp>
+        <p:nvCxnSpPr>
+          <p:cNvPr id="13" name="Прямая со стрелкой 12"/>
+          <p:cNvCxnSpPr>
+            <a:stCxn id="8" idx="3"/>
+            <a:endCxn id="9" idx="1"/>
+          </p:cNvCxnSpPr>
+          <p:nvPr/>
+        </p:nvCxnSpPr>
+        <p:spPr>
+          <a:xfrm flipV="1">
+            <a:off x="1958571" y="2307771"/>
+            <a:ext cx="801474" cy="171"/>
+          </a:xfrm>
+          <a:prstGeom prst="straightConnector1">
+            <a:avLst/>
+          </a:prstGeom>
+          <a:ln w="38100">
+            <a:tailEnd type="triangle"/>
+          </a:ln>
+        </p:spPr>
+        <p:style>
+          <a:lnRef idx="1">
+            <a:schemeClr val="accent1"/>
+          </a:lnRef>
+          <a:fillRef idx="0">
+            <a:schemeClr val="accent1"/>
+          </a:fillRef>
+          <a:effectRef idx="0">
+            <a:schemeClr val="accent1"/>
+          </a:effectRef>
+          <a:fontRef idx="minor">
+            <a:schemeClr val="tx1"/>
+          </a:fontRef>
+        </p:style>
+      </p:cxnSp>
+      <p:cxnSp>
+        <p:nvCxnSpPr>
+          <p:cNvPr id="16" name="Прямая со стрелкой 15"/>
+          <p:cNvCxnSpPr/>
+          <p:nvPr/>
+        </p:nvCxnSpPr>
+        <p:spPr>
+          <a:xfrm flipV="1">
+            <a:off x="4239645" y="2307599"/>
+            <a:ext cx="801474" cy="171"/>
+          </a:xfrm>
+          <a:prstGeom prst="straightConnector1">
+            <a:avLst/>
+          </a:prstGeom>
+          <a:ln w="38100">
+            <a:tailEnd type="triangle"/>
+          </a:ln>
+        </p:spPr>
+        <p:style>
+          <a:lnRef idx="1">
+            <a:schemeClr val="accent1"/>
+          </a:lnRef>
+          <a:fillRef idx="0">
+            <a:schemeClr val="accent1"/>
+          </a:fillRef>
+          <a:effectRef idx="0">
+            <a:schemeClr val="accent1"/>
+          </a:effectRef>
+          <a:fontRef idx="minor">
+            <a:schemeClr val="tx1"/>
+          </a:fontRef>
+        </p:style>
+      </p:cxnSp>
+      <p:cxnSp>
+        <p:nvCxnSpPr>
+          <p:cNvPr id="17" name="Прямая со стрелкой 16"/>
+          <p:cNvCxnSpPr/>
+          <p:nvPr/>
+        </p:nvCxnSpPr>
+        <p:spPr>
+          <a:xfrm flipV="1">
+            <a:off x="6522433" y="2307428"/>
+            <a:ext cx="801474" cy="171"/>
+          </a:xfrm>
+          <a:prstGeom prst="straightConnector1">
+            <a:avLst/>
+          </a:prstGeom>
+          <a:ln w="38100">
+            <a:tailEnd type="triangle"/>
+          </a:ln>
+        </p:spPr>
+        <p:style>
+          <a:lnRef idx="1">
+            <a:schemeClr val="accent1"/>
+          </a:lnRef>
+          <a:fillRef idx="0">
+            <a:schemeClr val="accent1"/>
+          </a:fillRef>
+          <a:effectRef idx="0">
+            <a:schemeClr val="accent1"/>
+          </a:effectRef>
+          <a:fontRef idx="minor">
+            <a:schemeClr val="tx1"/>
+          </a:fontRef>
+        </p:style>
+      </p:cxnSp>
     </p:spTree>
     <p:extLst>
       <p:ext uri="{BB962C8B-B14F-4D97-AF65-F5344CB8AC3E}">
@@ -5915,13 +6905,20 @@
   <p:clrMapOvr>
     <a:masterClrMapping/>
   </p:clrMapOvr>
+  <p:timing>
+    <p:tnLst>
+      <p:par>
+        <p:cTn id="1" dur="indefinite" restart="never" nodeType="tmRoot"/>
+      </p:par>
+    </p:tnLst>
+  </p:timing>
 </p:sld>
 </file>
 
 <file path=ppt/theme/theme1.xml><?xml version="1.0" encoding="utf-8"?>
 <a:theme xmlns:a="http://schemas.openxmlformats.org/drawingml/2006/main" name="Аспект">
   <a:themeElements>
-    <a:clrScheme name="Facet">
+    <a:clrScheme name="Аспект">
       <a:dk1>
         <a:sysClr val="windowText" lastClr="000000"/>
       </a:dk1>
@@ -5959,7 +6956,7 @@
         <a:srgbClr val="B9D181"/>
       </a:folHlink>
     </a:clrScheme>
-    <a:fontScheme name="Facet">
+    <a:fontScheme name="Аспект">
       <a:majorFont>
         <a:latin typeface="Trebuchet MS" panose="020B0603020202020204"/>
         <a:ea typeface=""/>
@@ -6031,7 +7028,7 @@
         <a:font script="Geor" typeface="Sylfaen"/>
       </a:minorFont>
     </a:fontScheme>
-    <a:fmtScheme name="Facet">
+    <a:fmtScheme name="Аспект">
       <a:fillStyleLst>
         <a:solidFill>
           <a:schemeClr val="phClr"/>

--- a/report/Presentation.pptx
+++ b/report/Presentation.pptx
@@ -10,6 +10,16 @@
     <p:sldId id="258" r:id="rId4"/>
     <p:sldId id="260" r:id="rId5"/>
     <p:sldId id="257" r:id="rId6"/>
+    <p:sldId id="261" r:id="rId7"/>
+    <p:sldId id="262" r:id="rId8"/>
+    <p:sldId id="263" r:id="rId9"/>
+    <p:sldId id="264" r:id="rId10"/>
+    <p:sldId id="265" r:id="rId11"/>
+    <p:sldId id="266" r:id="rId12"/>
+    <p:sldId id="267" r:id="rId13"/>
+    <p:sldId id="268" r:id="rId14"/>
+    <p:sldId id="269" r:id="rId15"/>
+    <p:sldId id="270" r:id="rId16"/>
   </p:sldIdLst>
   <p:sldSz cx="12192000" cy="6858000"/>
   <p:notesSz cx="6858000" cy="9144000"/>
@@ -839,7 +849,7 @@
             <a:fld id="{B61BEF0D-F0BB-DE4B-95CE-6DB70DBA9567}" type="datetimeFigureOut">
               <a:rPr lang="en-US" smtClean="0"/>
               <a:pPr/>
-              <a:t>11/12/2017</a:t>
+              <a:t>11/13/2017</a:t>
             </a:fld>
             <a:endParaRPr lang="en-US" dirty="0"/>
           </a:p>
@@ -1092,7 +1102,7 @@
             <a:fld id="{B61BEF0D-F0BB-DE4B-95CE-6DB70DBA9567}" type="datetimeFigureOut">
               <a:rPr lang="en-US" smtClean="0"/>
               <a:pPr/>
-              <a:t>11/12/2017</a:t>
+              <a:t>11/13/2017</a:t>
             </a:fld>
             <a:endParaRPr lang="en-US" dirty="0"/>
           </a:p>
@@ -1408,7 +1418,7 @@
             <a:fld id="{B61BEF0D-F0BB-DE4B-95CE-6DB70DBA9567}" type="datetimeFigureOut">
               <a:rPr lang="en-US" smtClean="0"/>
               <a:pPr/>
-              <a:t>11/12/2017</a:t>
+              <a:t>11/13/2017</a:t>
             </a:fld>
             <a:endParaRPr lang="en-US" dirty="0"/>
           </a:p>
@@ -1751,7 +1761,7 @@
             <a:fld id="{B61BEF0D-F0BB-DE4B-95CE-6DB70DBA9567}" type="datetimeFigureOut">
               <a:rPr lang="en-US" smtClean="0"/>
               <a:pPr/>
-              <a:t>11/12/2017</a:t>
+              <a:t>11/13/2017</a:t>
             </a:fld>
             <a:endParaRPr lang="en-US" dirty="0"/>
           </a:p>
@@ -2067,7 +2077,7 @@
             <a:fld id="{B61BEF0D-F0BB-DE4B-95CE-6DB70DBA9567}" type="datetimeFigureOut">
               <a:rPr lang="en-US" smtClean="0"/>
               <a:pPr/>
-              <a:t>11/12/2017</a:t>
+              <a:t>11/13/2017</a:t>
             </a:fld>
             <a:endParaRPr lang="en-US" dirty="0"/>
           </a:p>
@@ -2462,7 +2472,7 @@
             <a:fld id="{B61BEF0D-F0BB-DE4B-95CE-6DB70DBA9567}" type="datetimeFigureOut">
               <a:rPr lang="en-US" smtClean="0"/>
               <a:pPr/>
-              <a:t>11/12/2017</a:t>
+              <a:t>11/13/2017</a:t>
             </a:fld>
             <a:endParaRPr lang="en-US" dirty="0"/>
           </a:p>
@@ -2633,7 +2643,7 @@
           <a:p>
             <a:fld id="{55C6B4A9-1611-4792-9094-5F34BCA07E0B}" type="datetimeFigureOut">
               <a:rPr lang="en-US" smtClean="0"/>
-              <a:t>11/12/2017</a:t>
+              <a:t>11/13/2017</a:t>
             </a:fld>
             <a:endParaRPr lang="en-US" dirty="0"/>
           </a:p>
@@ -2814,7 +2824,7 @@
             <a:fld id="{B61BEF0D-F0BB-DE4B-95CE-6DB70DBA9567}" type="datetimeFigureOut">
               <a:rPr lang="en-US" smtClean="0"/>
               <a:pPr/>
-              <a:t>11/12/2017</a:t>
+              <a:t>11/13/2017</a:t>
             </a:fld>
             <a:endParaRPr lang="en-US" dirty="0"/>
           </a:p>
@@ -2992,7 +3002,7 @@
             <a:fld id="{B61BEF0D-F0BB-DE4B-95CE-6DB70DBA9567}" type="datetimeFigureOut">
               <a:rPr lang="en-US" smtClean="0"/>
               <a:pPr/>
-              <a:t>11/12/2017</a:t>
+              <a:t>11/13/2017</a:t>
             </a:fld>
             <a:endParaRPr lang="en-US" dirty="0"/>
           </a:p>
@@ -3241,7 +3251,7 @@
             <a:fld id="{B61BEF0D-F0BB-DE4B-95CE-6DB70DBA9567}" type="datetimeFigureOut">
               <a:rPr lang="en-US" smtClean="0"/>
               <a:pPr/>
-              <a:t>11/12/2017</a:t>
+              <a:t>11/13/2017</a:t>
             </a:fld>
             <a:endParaRPr lang="en-US" dirty="0"/>
           </a:p>
@@ -3474,7 +3484,7 @@
           <a:p>
             <a:fld id="{EB712588-04B1-427B-82EE-E8DB90309F08}" type="datetimeFigureOut">
               <a:rPr lang="en-US" smtClean="0"/>
-              <a:t>11/12/2017</a:t>
+              <a:t>11/13/2017</a:t>
             </a:fld>
             <a:endParaRPr lang="en-US" dirty="0"/>
           </a:p>
@@ -3849,7 +3859,7 @@
             <a:fld id="{B61BEF0D-F0BB-DE4B-95CE-6DB70DBA9567}" type="datetimeFigureOut">
               <a:rPr lang="en-US" smtClean="0"/>
               <a:pPr/>
-              <a:t>11/12/2017</a:t>
+              <a:t>11/13/2017</a:t>
             </a:fld>
             <a:endParaRPr lang="en-US" dirty="0"/>
           </a:p>
@@ -3974,7 +3984,7 @@
             <a:fld id="{B61BEF0D-F0BB-DE4B-95CE-6DB70DBA9567}" type="datetimeFigureOut">
               <a:rPr lang="en-US" smtClean="0"/>
               <a:pPr/>
-              <a:t>11/12/2017</a:t>
+              <a:t>11/13/2017</a:t>
             </a:fld>
             <a:endParaRPr lang="en-US" dirty="0"/>
           </a:p>
@@ -4071,7 +4081,7 @@
             <a:fld id="{B61BEF0D-F0BB-DE4B-95CE-6DB70DBA9567}" type="datetimeFigureOut">
               <a:rPr lang="en-US" smtClean="0"/>
               <a:pPr/>
-              <a:t>11/12/2017</a:t>
+              <a:t>11/13/2017</a:t>
             </a:fld>
             <a:endParaRPr lang="en-US" dirty="0"/>
           </a:p>
@@ -4327,7 +4337,7 @@
           <a:p>
             <a:fld id="{42A54C80-263E-416B-A8E0-580EDEADCBDC}" type="datetimeFigureOut">
               <a:rPr lang="en-US" smtClean="0"/>
-              <a:t>11/12/2017</a:t>
+              <a:t>11/13/2017</a:t>
             </a:fld>
             <a:endParaRPr lang="en-US" dirty="0"/>
           </a:p>
@@ -4591,7 +4601,7 @@
             <a:fld id="{B61BEF0D-F0BB-DE4B-95CE-6DB70DBA9567}" type="datetimeFigureOut">
               <a:rPr lang="en-US" smtClean="0"/>
               <a:pPr/>
-              <a:t>11/12/2017</a:t>
+              <a:t>11/13/2017</a:t>
             </a:fld>
             <a:endParaRPr lang="en-US" dirty="0"/>
           </a:p>
@@ -5336,7 +5346,7 @@
             <a:fld id="{B61BEF0D-F0BB-DE4B-95CE-6DB70DBA9567}" type="datetimeFigureOut">
               <a:rPr lang="en-US" smtClean="0"/>
               <a:pPr/>
-              <a:t>11/12/2017</a:t>
+              <a:t>11/13/2017</a:t>
             </a:fld>
             <a:endParaRPr lang="en-US" dirty="0"/>
           </a:p>
@@ -5884,11 +5894,7 @@
             <a:pPr algn="ctr"/>
             <a:r>
               <a:rPr lang="en-US" dirty="0" smtClean="0"/>
-              <a:t>Native </a:t>
-            </a:r>
-            <a:r>
-              <a:rPr lang="en-US" dirty="0" smtClean="0"/>
-              <a:t>messaging + Browser </a:t>
+              <a:t>Native messaging + Browser </a:t>
             </a:r>
             <a:r>
               <a:rPr lang="en-US" dirty="0" err="1" smtClean="0"/>
@@ -5932,6 +5938,1072 @@
     <p:extLst>
       <p:ext uri="{BB962C8B-B14F-4D97-AF65-F5344CB8AC3E}">
         <p14:creationId xmlns:p14="http://schemas.microsoft.com/office/powerpoint/2010/main" val="3677417832"/>
+      </p:ext>
+    </p:extLst>
+  </p:cSld>
+  <p:clrMapOvr>
+    <a:masterClrMapping/>
+  </p:clrMapOvr>
+</p:sld>
+</file>
+
+<file path=ppt/slides/slide10.xml><?xml version="1.0" encoding="utf-8"?>
+<p:sld xmlns:a="http://schemas.openxmlformats.org/drawingml/2006/main" xmlns:r="http://schemas.openxmlformats.org/officeDocument/2006/relationships" xmlns:p="http://schemas.openxmlformats.org/presentationml/2006/main">
+  <p:cSld>
+    <p:spTree>
+      <p:nvGrpSpPr>
+        <p:cNvPr id="1" name=""/>
+        <p:cNvGrpSpPr/>
+        <p:nvPr/>
+      </p:nvGrpSpPr>
+      <p:grpSpPr>
+        <a:xfrm>
+          <a:off x="0" y="0"/>
+          <a:ext cx="0" cy="0"/>
+          <a:chOff x="0" y="0"/>
+          <a:chExt cx="0" cy="0"/>
+        </a:xfrm>
+      </p:grpSpPr>
+      <p:sp>
+        <p:nvSpPr>
+          <p:cNvPr id="2" name="Заголовок 1"/>
+          <p:cNvSpPr>
+            <a:spLocks noGrp="1"/>
+          </p:cNvSpPr>
+          <p:nvPr>
+            <p:ph type="title"/>
+          </p:nvPr>
+        </p:nvSpPr>
+        <p:spPr>
+          <a:xfrm>
+            <a:off x="677334" y="609600"/>
+            <a:ext cx="8596668" cy="653143"/>
+          </a:xfrm>
+        </p:spPr>
+        <p:txBody>
+          <a:bodyPr/>
+          <a:lstStyle/>
+          <a:p>
+            <a:r>
+              <a:rPr lang="ru-RU" dirty="0" smtClean="0"/>
+              <a:t>Нюансы создания </a:t>
+            </a:r>
+            <a:r>
+              <a:rPr lang="en-US" dirty="0" smtClean="0"/>
+              <a:t>Browser extension</a:t>
+            </a:r>
+            <a:endParaRPr lang="ru-RU" dirty="0"/>
+          </a:p>
+        </p:txBody>
+      </p:sp>
+      <p:sp>
+        <p:nvSpPr>
+          <p:cNvPr id="3" name="Объект 2"/>
+          <p:cNvSpPr>
+            <a:spLocks noGrp="1"/>
+          </p:cNvSpPr>
+          <p:nvPr>
+            <p:ph idx="1"/>
+          </p:nvPr>
+        </p:nvSpPr>
+        <p:spPr>
+          <a:xfrm>
+            <a:off x="677334" y="1262743"/>
+            <a:ext cx="8596668" cy="3880773"/>
+          </a:xfrm>
+        </p:spPr>
+        <p:txBody>
+          <a:bodyPr/>
+          <a:lstStyle/>
+          <a:p>
+            <a:r>
+              <a:rPr lang="ru-RU" dirty="0" smtClean="0"/>
+              <a:t>Способы загрузки расширения и варианты обновления</a:t>
+            </a:r>
+            <a:endParaRPr lang="en-US" dirty="0" smtClean="0"/>
+          </a:p>
+          <a:p>
+            <a:r>
+              <a:rPr lang="ru-RU" dirty="0" smtClean="0"/>
+              <a:t>Что такое </a:t>
+            </a:r>
+            <a:r>
+              <a:rPr lang="en-US" dirty="0" smtClean="0"/>
+              <a:t>id</a:t>
+            </a:r>
+          </a:p>
+          <a:p>
+            <a:r>
+              <a:rPr lang="ru-RU" dirty="0" smtClean="0"/>
+              <a:t>Как зафиксировать </a:t>
+            </a:r>
+            <a:r>
+              <a:rPr lang="en-US" dirty="0" smtClean="0"/>
+              <a:t>id</a:t>
+            </a:r>
+          </a:p>
+          <a:p>
+            <a:r>
+              <a:rPr lang="ru-RU" dirty="0"/>
+              <a:t>Как попасть в отладку фоновой </a:t>
+            </a:r>
+            <a:r>
+              <a:rPr lang="ru-RU" dirty="0" smtClean="0"/>
+              <a:t>страницы</a:t>
+            </a:r>
+          </a:p>
+          <a:p>
+            <a:r>
+              <a:rPr lang="ru-RU" dirty="0" smtClean="0"/>
+              <a:t>Доступа к </a:t>
+            </a:r>
+            <a:r>
+              <a:rPr lang="en-US" dirty="0" smtClean="0"/>
+              <a:t>JS </a:t>
+            </a:r>
+            <a:r>
+              <a:rPr lang="ru-RU" dirty="0" smtClean="0"/>
+              <a:t>на странице нет</a:t>
+            </a:r>
+          </a:p>
+          <a:p>
+            <a:r>
+              <a:rPr lang="ru-RU" dirty="0" err="1" smtClean="0"/>
+              <a:t>Общениие</a:t>
+            </a:r>
+            <a:r>
+              <a:rPr lang="ru-RU" dirty="0" smtClean="0"/>
+              <a:t> между фоновой страницей и скриптом только с помощью сообщений</a:t>
+            </a:r>
+          </a:p>
+          <a:p>
+            <a:r>
+              <a:rPr lang="ru-RU" dirty="0" smtClean="0"/>
+              <a:t>В отладке можно развалить стек, т.к. атрибуты многих объектов инициализируются лениво</a:t>
+            </a:r>
+          </a:p>
+        </p:txBody>
+      </p:sp>
+    </p:spTree>
+    <p:extLst>
+      <p:ext uri="{BB962C8B-B14F-4D97-AF65-F5344CB8AC3E}">
+        <p14:creationId xmlns:p14="http://schemas.microsoft.com/office/powerpoint/2010/main" val="2589152981"/>
+      </p:ext>
+    </p:extLst>
+  </p:cSld>
+  <p:clrMapOvr>
+    <a:masterClrMapping/>
+  </p:clrMapOvr>
+</p:sld>
+</file>
+
+<file path=ppt/slides/slide11.xml><?xml version="1.0" encoding="utf-8"?>
+<p:sld xmlns:a="http://schemas.openxmlformats.org/drawingml/2006/main" xmlns:r="http://schemas.openxmlformats.org/officeDocument/2006/relationships" xmlns:p="http://schemas.openxmlformats.org/presentationml/2006/main">
+  <p:cSld>
+    <p:spTree>
+      <p:nvGrpSpPr>
+        <p:cNvPr id="1" name=""/>
+        <p:cNvGrpSpPr/>
+        <p:nvPr/>
+      </p:nvGrpSpPr>
+      <p:grpSpPr>
+        <a:xfrm>
+          <a:off x="0" y="0"/>
+          <a:ext cx="0" cy="0"/>
+          <a:chOff x="0" y="0"/>
+          <a:chExt cx="0" cy="0"/>
+        </a:xfrm>
+      </p:grpSpPr>
+      <p:sp>
+        <p:nvSpPr>
+          <p:cNvPr id="2" name="Заголовок 1"/>
+          <p:cNvSpPr>
+            <a:spLocks noGrp="1"/>
+          </p:cNvSpPr>
+          <p:nvPr>
+            <p:ph type="title"/>
+          </p:nvPr>
+        </p:nvSpPr>
+        <p:spPr>
+          <a:xfrm>
+            <a:off x="677334" y="609600"/>
+            <a:ext cx="8596668" cy="609600"/>
+          </a:xfrm>
+        </p:spPr>
+        <p:txBody>
+          <a:bodyPr>
+            <a:normAutofit fontScale="90000"/>
+          </a:bodyPr>
+          <a:lstStyle/>
+          <a:p>
+            <a:r>
+              <a:rPr lang="en-US" dirty="0" smtClean="0"/>
+              <a:t>Host application</a:t>
+            </a:r>
+            <a:endParaRPr lang="ru-RU" dirty="0"/>
+          </a:p>
+        </p:txBody>
+      </p:sp>
+      <p:sp>
+        <p:nvSpPr>
+          <p:cNvPr id="3" name="Объект 2"/>
+          <p:cNvSpPr>
+            <a:spLocks noGrp="1"/>
+          </p:cNvSpPr>
+          <p:nvPr>
+            <p:ph idx="1"/>
+          </p:nvPr>
+        </p:nvSpPr>
+        <p:spPr>
+          <a:xfrm>
+            <a:off x="677334" y="1219201"/>
+            <a:ext cx="8596668" cy="4822162"/>
+          </a:xfrm>
+        </p:spPr>
+        <p:txBody>
+          <a:bodyPr/>
+          <a:lstStyle/>
+          <a:p>
+            <a:r>
+              <a:rPr lang="ru-RU" dirty="0" smtClean="0"/>
+              <a:t>Любая программа, которая может быть запущена на исполнение в ОС, зарегистрированная специальным образом</a:t>
+            </a:r>
+          </a:p>
+          <a:p>
+            <a:r>
+              <a:rPr lang="ru-RU" dirty="0" smtClean="0"/>
+              <a:t>Для взаимодействия с браузером используется поток ввода-вывода</a:t>
+            </a:r>
+          </a:p>
+          <a:p>
+            <a:r>
+              <a:rPr lang="ru-RU" dirty="0" smtClean="0"/>
+              <a:t>Взаимодействие с помощью </a:t>
+            </a:r>
+            <a:r>
+              <a:rPr lang="en-US" dirty="0" smtClean="0"/>
+              <a:t>http </a:t>
+            </a:r>
+            <a:r>
+              <a:rPr lang="ru-RU" dirty="0" smtClean="0"/>
+              <a:t>возможно</a:t>
+            </a:r>
+          </a:p>
+          <a:p>
+            <a:r>
+              <a:rPr lang="ru-RU" dirty="0" smtClean="0"/>
+              <a:t>Доступ к ресурсам рабочей станции ограничен только правами пользователя, от имени которого запущен браузер</a:t>
+            </a:r>
+          </a:p>
+          <a:p>
+            <a:r>
+              <a:rPr lang="ru-RU" dirty="0" smtClean="0"/>
+              <a:t>Больше никаких диалогов с вопросом о разрешении на выполнение или предложением обновить ПО, как было в </a:t>
+            </a:r>
+            <a:r>
+              <a:rPr lang="en-US" dirty="0"/>
+              <a:t>NPAPI</a:t>
+            </a:r>
+          </a:p>
+          <a:p>
+            <a:endParaRPr lang="ru-RU" dirty="0" smtClean="0"/>
+          </a:p>
+        </p:txBody>
+      </p:sp>
+    </p:spTree>
+    <p:extLst>
+      <p:ext uri="{BB962C8B-B14F-4D97-AF65-F5344CB8AC3E}">
+        <p14:creationId xmlns:p14="http://schemas.microsoft.com/office/powerpoint/2010/main" val="1589258683"/>
+      </p:ext>
+    </p:extLst>
+  </p:cSld>
+  <p:clrMapOvr>
+    <a:masterClrMapping/>
+  </p:clrMapOvr>
+</p:sld>
+</file>
+
+<file path=ppt/slides/slide12.xml><?xml version="1.0" encoding="utf-8"?>
+<p:sld xmlns:a="http://schemas.openxmlformats.org/drawingml/2006/main" xmlns:r="http://schemas.openxmlformats.org/officeDocument/2006/relationships" xmlns:p="http://schemas.openxmlformats.org/presentationml/2006/main">
+  <p:cSld>
+    <p:spTree>
+      <p:nvGrpSpPr>
+        <p:cNvPr id="1" name=""/>
+        <p:cNvGrpSpPr/>
+        <p:nvPr/>
+      </p:nvGrpSpPr>
+      <p:grpSpPr>
+        <a:xfrm>
+          <a:off x="0" y="0"/>
+          <a:ext cx="0" cy="0"/>
+          <a:chOff x="0" y="0"/>
+          <a:chExt cx="0" cy="0"/>
+        </a:xfrm>
+      </p:grpSpPr>
+      <p:sp>
+        <p:nvSpPr>
+          <p:cNvPr id="2" name="Заголовок 1"/>
+          <p:cNvSpPr>
+            <a:spLocks noGrp="1"/>
+          </p:cNvSpPr>
+          <p:nvPr>
+            <p:ph type="title"/>
+          </p:nvPr>
+        </p:nvSpPr>
+        <p:spPr>
+          <a:xfrm>
+            <a:off x="677334" y="609600"/>
+            <a:ext cx="8596668" cy="1193074"/>
+          </a:xfrm>
+        </p:spPr>
+        <p:txBody>
+          <a:bodyPr>
+            <a:normAutofit/>
+          </a:bodyPr>
+          <a:lstStyle/>
+          <a:p>
+            <a:pPr algn="ctr"/>
+            <a:r>
+              <a:rPr lang="ru-RU" dirty="0" smtClean="0"/>
+              <a:t>Структура </a:t>
+            </a:r>
+            <a:r>
+              <a:rPr lang="en-US" dirty="0" smtClean="0"/>
+              <a:t>croc-demo-native-</a:t>
+            </a:r>
+            <a:r>
+              <a:rPr lang="en-US" dirty="0" err="1" smtClean="0"/>
+              <a:t>app.json</a:t>
+            </a:r>
+            <a:r>
+              <a:rPr lang="ru-RU" dirty="0" smtClean="0"/>
+              <a:t> – манифест для </a:t>
+            </a:r>
+            <a:r>
+              <a:rPr lang="en-US" dirty="0" smtClean="0"/>
+              <a:t>Host application</a:t>
+            </a:r>
+            <a:endParaRPr lang="ru-RU" dirty="0"/>
+          </a:p>
+        </p:txBody>
+      </p:sp>
+      <p:sp>
+        <p:nvSpPr>
+          <p:cNvPr id="3" name="Объект 2"/>
+          <p:cNvSpPr>
+            <a:spLocks noGrp="1"/>
+          </p:cNvSpPr>
+          <p:nvPr>
+            <p:ph idx="1"/>
+          </p:nvPr>
+        </p:nvSpPr>
+        <p:spPr>
+          <a:xfrm>
+            <a:off x="677334" y="1889761"/>
+            <a:ext cx="8596668" cy="4151602"/>
+          </a:xfrm>
+        </p:spPr>
+        <p:txBody>
+          <a:bodyPr>
+            <a:normAutofit/>
+          </a:bodyPr>
+          <a:lstStyle/>
+          <a:p>
+            <a:r>
+              <a:rPr lang="en-US" dirty="0" smtClean="0"/>
+              <a:t>name – </a:t>
+            </a:r>
+            <a:r>
+              <a:rPr lang="ru-RU" dirty="0" smtClean="0"/>
+              <a:t>наименование расширения, принципиальный атрибут, вызов из расширения будет выполняться по имени</a:t>
+            </a:r>
+          </a:p>
+          <a:p>
+            <a:r>
+              <a:rPr lang="en-US" dirty="0" smtClean="0"/>
+              <a:t>description</a:t>
+            </a:r>
+            <a:r>
+              <a:rPr lang="ru-RU" dirty="0" smtClean="0"/>
+              <a:t> – просто описание, элемент хорошего тона</a:t>
+            </a:r>
+          </a:p>
+          <a:p>
+            <a:r>
+              <a:rPr lang="en-US" dirty="0"/>
+              <a:t>p</a:t>
+            </a:r>
+            <a:r>
+              <a:rPr lang="en-US" dirty="0" smtClean="0"/>
+              <a:t>ath</a:t>
+            </a:r>
+            <a:r>
+              <a:rPr lang="ru-RU" dirty="0" smtClean="0"/>
+              <a:t> – путь к исполняемому файлу</a:t>
+            </a:r>
+          </a:p>
+          <a:p>
+            <a:r>
+              <a:rPr lang="en-US" dirty="0"/>
+              <a:t>t</a:t>
+            </a:r>
+            <a:r>
+              <a:rPr lang="en-US" dirty="0" smtClean="0"/>
+              <a:t>ype</a:t>
+            </a:r>
+            <a:r>
+              <a:rPr lang="ru-RU" dirty="0" smtClean="0"/>
+              <a:t> –</a:t>
+            </a:r>
+            <a:r>
+              <a:rPr lang="en-US" dirty="0" smtClean="0"/>
+              <a:t> </a:t>
+            </a:r>
+            <a:r>
+              <a:rPr lang="ru-RU" dirty="0" smtClean="0"/>
+              <a:t>тип транспорта для </a:t>
+            </a:r>
+            <a:r>
+              <a:rPr lang="en-US" dirty="0" smtClean="0"/>
+              <a:t>Native messaging</a:t>
+            </a:r>
+            <a:r>
+              <a:rPr lang="ru-RU" dirty="0" smtClean="0"/>
+              <a:t>, в данный момент только </a:t>
+            </a:r>
+            <a:r>
+              <a:rPr lang="en-US" dirty="0" err="1"/>
+              <a:t>stdio</a:t>
+            </a:r>
+            <a:endParaRPr lang="en-US" dirty="0"/>
+          </a:p>
+          <a:p>
+            <a:r>
+              <a:rPr lang="en-US" dirty="0" err="1" smtClean="0"/>
+              <a:t>allowed_origins</a:t>
+            </a:r>
+            <a:r>
+              <a:rPr lang="ru-RU" dirty="0" smtClean="0"/>
+              <a:t> – расширения которым разрешается отправлять сообщения, используется </a:t>
+            </a:r>
+            <a:r>
+              <a:rPr lang="en-US" dirty="0" smtClean="0"/>
+              <a:t>id </a:t>
+            </a:r>
+            <a:r>
+              <a:rPr lang="ru-RU" dirty="0" smtClean="0"/>
+              <a:t>расширения</a:t>
+            </a:r>
+            <a:endParaRPr lang="en-US" dirty="0"/>
+          </a:p>
+        </p:txBody>
+      </p:sp>
+    </p:spTree>
+    <p:extLst>
+      <p:ext uri="{BB962C8B-B14F-4D97-AF65-F5344CB8AC3E}">
+        <p14:creationId xmlns:p14="http://schemas.microsoft.com/office/powerpoint/2010/main" val="1455490179"/>
+      </p:ext>
+    </p:extLst>
+  </p:cSld>
+  <p:clrMapOvr>
+    <a:masterClrMapping/>
+  </p:clrMapOvr>
+</p:sld>
+</file>
+
+<file path=ppt/slides/slide13.xml><?xml version="1.0" encoding="utf-8"?>
+<p:sld xmlns:a="http://schemas.openxmlformats.org/drawingml/2006/main" xmlns:r="http://schemas.openxmlformats.org/officeDocument/2006/relationships" xmlns:p="http://schemas.openxmlformats.org/presentationml/2006/main">
+  <p:cSld>
+    <p:spTree>
+      <p:nvGrpSpPr>
+        <p:cNvPr id="1" name=""/>
+        <p:cNvGrpSpPr/>
+        <p:nvPr/>
+      </p:nvGrpSpPr>
+      <p:grpSpPr>
+        <a:xfrm>
+          <a:off x="0" y="0"/>
+          <a:ext cx="0" cy="0"/>
+          <a:chOff x="0" y="0"/>
+          <a:chExt cx="0" cy="0"/>
+        </a:xfrm>
+      </p:grpSpPr>
+      <p:sp>
+        <p:nvSpPr>
+          <p:cNvPr id="2" name="Заголовок 1"/>
+          <p:cNvSpPr>
+            <a:spLocks noGrp="1"/>
+          </p:cNvSpPr>
+          <p:nvPr>
+            <p:ph type="title"/>
+          </p:nvPr>
+        </p:nvSpPr>
+        <p:spPr>
+          <a:xfrm>
+            <a:off x="677334" y="609600"/>
+            <a:ext cx="8596668" cy="748937"/>
+          </a:xfrm>
+        </p:spPr>
+        <p:txBody>
+          <a:bodyPr>
+            <a:normAutofit/>
+          </a:bodyPr>
+          <a:lstStyle/>
+          <a:p>
+            <a:r>
+              <a:rPr lang="ru-RU" dirty="0" smtClean="0"/>
+              <a:t>Нюансы создания </a:t>
+            </a:r>
+            <a:r>
+              <a:rPr lang="en-US" dirty="0" smtClean="0"/>
+              <a:t>Host application</a:t>
+            </a:r>
+            <a:endParaRPr lang="ru-RU" dirty="0"/>
+          </a:p>
+        </p:txBody>
+      </p:sp>
+      <p:sp>
+        <p:nvSpPr>
+          <p:cNvPr id="3" name="Объект 2"/>
+          <p:cNvSpPr>
+            <a:spLocks noGrp="1"/>
+          </p:cNvSpPr>
+          <p:nvPr>
+            <p:ph idx="1"/>
+          </p:nvPr>
+        </p:nvSpPr>
+        <p:spPr>
+          <a:xfrm>
+            <a:off x="677334" y="1480458"/>
+            <a:ext cx="8596668" cy="1724296"/>
+          </a:xfrm>
+        </p:spPr>
+        <p:txBody>
+          <a:bodyPr/>
+          <a:lstStyle/>
+          <a:p>
+            <a:r>
+              <a:rPr lang="ru-RU" dirty="0" smtClean="0"/>
+              <a:t>Причины почему не запускается:</a:t>
+            </a:r>
+          </a:p>
+          <a:p>
+            <a:pPr>
+              <a:buFont typeface="+mj-lt"/>
+              <a:buAutoNum type="arabicPeriod"/>
+            </a:pPr>
+            <a:r>
+              <a:rPr lang="ru-RU" dirty="0" smtClean="0"/>
+              <a:t>Неверно зарегистрировано</a:t>
+            </a:r>
+          </a:p>
+          <a:p>
+            <a:pPr>
+              <a:buFont typeface="+mj-lt"/>
+              <a:buAutoNum type="arabicPeriod"/>
+            </a:pPr>
+            <a:r>
+              <a:rPr lang="ru-RU" dirty="0" smtClean="0"/>
+              <a:t>Ошибка протокола взаимодействия – ошибка длины сообщения</a:t>
+            </a:r>
+          </a:p>
+          <a:p>
+            <a:pPr>
+              <a:buFont typeface="+mj-lt"/>
+              <a:buAutoNum type="arabicPeriod"/>
+            </a:pPr>
+            <a:r>
+              <a:rPr lang="ru-RU" dirty="0" smtClean="0"/>
+              <a:t>Разделяемые ресурсы</a:t>
+            </a:r>
+          </a:p>
+        </p:txBody>
+      </p:sp>
+      <p:sp>
+        <p:nvSpPr>
+          <p:cNvPr id="4" name="Объект 2"/>
+          <p:cNvSpPr txBox="1">
+            <a:spLocks/>
+          </p:cNvSpPr>
+          <p:nvPr/>
+        </p:nvSpPr>
+        <p:spPr>
+          <a:xfrm>
+            <a:off x="677334" y="3566161"/>
+            <a:ext cx="8596668" cy="1815735"/>
+          </a:xfrm>
+          <a:prstGeom prst="rect">
+            <a:avLst/>
+          </a:prstGeom>
+        </p:spPr>
+        <p:txBody>
+          <a:bodyPr vert="horz" lIns="91440" tIns="45720" rIns="91440" bIns="45720" rtlCol="0">
+            <a:normAutofit/>
+          </a:bodyPr>
+          <a:lstStyle>
+            <a:lvl1pPr marL="342900" indent="-342900" algn="l" defTabSz="457200" rtl="0" eaLnBrk="1" latinLnBrk="0" hangingPunct="1">
+              <a:spcBef>
+                <a:spcPts val="1000"/>
+              </a:spcBef>
+              <a:spcAft>
+                <a:spcPts val="0"/>
+              </a:spcAft>
+              <a:buClr>
+                <a:schemeClr val="accent1"/>
+              </a:buClr>
+              <a:buSzPct val="80000"/>
+              <a:buFont typeface="Wingdings 3" charset="2"/>
+              <a:buChar char=""/>
+              <a:defRPr sz="1800" kern="1200">
+                <a:solidFill>
+                  <a:schemeClr val="tx1">
+                    <a:lumMod val="75000"/>
+                    <a:lumOff val="25000"/>
+                  </a:schemeClr>
+                </a:solidFill>
+                <a:latin typeface="+mn-lt"/>
+                <a:ea typeface="+mn-ea"/>
+                <a:cs typeface="+mn-cs"/>
+              </a:defRPr>
+            </a:lvl1pPr>
+            <a:lvl2pPr marL="742950" indent="-285750" algn="l" defTabSz="457200" rtl="0" eaLnBrk="1" latinLnBrk="0" hangingPunct="1">
+              <a:spcBef>
+                <a:spcPts val="1000"/>
+              </a:spcBef>
+              <a:spcAft>
+                <a:spcPts val="0"/>
+              </a:spcAft>
+              <a:buClr>
+                <a:schemeClr val="accent1"/>
+              </a:buClr>
+              <a:buSzPct val="80000"/>
+              <a:buFont typeface="Wingdings 3" charset="2"/>
+              <a:buChar char=""/>
+              <a:defRPr sz="1600" kern="1200">
+                <a:solidFill>
+                  <a:schemeClr val="tx1">
+                    <a:lumMod val="75000"/>
+                    <a:lumOff val="25000"/>
+                  </a:schemeClr>
+                </a:solidFill>
+                <a:latin typeface="+mn-lt"/>
+                <a:ea typeface="+mn-ea"/>
+                <a:cs typeface="+mn-cs"/>
+              </a:defRPr>
+            </a:lvl2pPr>
+            <a:lvl3pPr marL="1143000" indent="-228600" algn="l" defTabSz="457200" rtl="0" eaLnBrk="1" latinLnBrk="0" hangingPunct="1">
+              <a:spcBef>
+                <a:spcPts val="1000"/>
+              </a:spcBef>
+              <a:spcAft>
+                <a:spcPts val="0"/>
+              </a:spcAft>
+              <a:buClr>
+                <a:schemeClr val="accent1"/>
+              </a:buClr>
+              <a:buSzPct val="80000"/>
+              <a:buFont typeface="Wingdings 3" charset="2"/>
+              <a:buChar char=""/>
+              <a:defRPr sz="1400" kern="1200">
+                <a:solidFill>
+                  <a:schemeClr val="tx1">
+                    <a:lumMod val="75000"/>
+                    <a:lumOff val="25000"/>
+                  </a:schemeClr>
+                </a:solidFill>
+                <a:latin typeface="+mn-lt"/>
+                <a:ea typeface="+mn-ea"/>
+                <a:cs typeface="+mn-cs"/>
+              </a:defRPr>
+            </a:lvl3pPr>
+            <a:lvl4pPr marL="1600200" indent="-228600" algn="l" defTabSz="457200" rtl="0" eaLnBrk="1" latinLnBrk="0" hangingPunct="1">
+              <a:spcBef>
+                <a:spcPts val="1000"/>
+              </a:spcBef>
+              <a:spcAft>
+                <a:spcPts val="0"/>
+              </a:spcAft>
+              <a:buClr>
+                <a:schemeClr val="accent1"/>
+              </a:buClr>
+              <a:buSzPct val="80000"/>
+              <a:buFont typeface="Wingdings 3" charset="2"/>
+              <a:buChar char=""/>
+              <a:defRPr sz="1200" kern="1200">
+                <a:solidFill>
+                  <a:schemeClr val="tx1">
+                    <a:lumMod val="75000"/>
+                    <a:lumOff val="25000"/>
+                  </a:schemeClr>
+                </a:solidFill>
+                <a:latin typeface="+mn-lt"/>
+                <a:ea typeface="+mn-ea"/>
+                <a:cs typeface="+mn-cs"/>
+              </a:defRPr>
+            </a:lvl4pPr>
+            <a:lvl5pPr marL="2057400" indent="-228600" algn="l" defTabSz="457200" rtl="0" eaLnBrk="1" latinLnBrk="0" hangingPunct="1">
+              <a:spcBef>
+                <a:spcPts val="1000"/>
+              </a:spcBef>
+              <a:spcAft>
+                <a:spcPts val="0"/>
+              </a:spcAft>
+              <a:buClr>
+                <a:schemeClr val="accent1"/>
+              </a:buClr>
+              <a:buSzPct val="80000"/>
+              <a:buFont typeface="Wingdings 3" charset="2"/>
+              <a:buChar char=""/>
+              <a:defRPr sz="1200" kern="1200">
+                <a:solidFill>
+                  <a:schemeClr val="tx1">
+                    <a:lumMod val="75000"/>
+                    <a:lumOff val="25000"/>
+                  </a:schemeClr>
+                </a:solidFill>
+                <a:latin typeface="+mn-lt"/>
+                <a:ea typeface="+mn-ea"/>
+                <a:cs typeface="+mn-cs"/>
+              </a:defRPr>
+            </a:lvl5pPr>
+            <a:lvl6pPr marL="2514600" indent="-228600" algn="l" defTabSz="457200" rtl="0" eaLnBrk="1" latinLnBrk="0" hangingPunct="1">
+              <a:spcBef>
+                <a:spcPts val="1000"/>
+              </a:spcBef>
+              <a:spcAft>
+                <a:spcPts val="0"/>
+              </a:spcAft>
+              <a:buClr>
+                <a:schemeClr val="accent1"/>
+              </a:buClr>
+              <a:buSzPct val="80000"/>
+              <a:buFont typeface="Wingdings 3" charset="2"/>
+              <a:buChar char=""/>
+              <a:defRPr sz="1200" kern="1200">
+                <a:solidFill>
+                  <a:schemeClr val="tx1">
+                    <a:lumMod val="75000"/>
+                    <a:lumOff val="25000"/>
+                  </a:schemeClr>
+                </a:solidFill>
+                <a:latin typeface="+mn-lt"/>
+                <a:ea typeface="+mn-ea"/>
+                <a:cs typeface="+mn-cs"/>
+              </a:defRPr>
+            </a:lvl6pPr>
+            <a:lvl7pPr marL="2971800" indent="-228600" algn="l" defTabSz="457200" rtl="0" eaLnBrk="1" latinLnBrk="0" hangingPunct="1">
+              <a:spcBef>
+                <a:spcPts val="1000"/>
+              </a:spcBef>
+              <a:spcAft>
+                <a:spcPts val="0"/>
+              </a:spcAft>
+              <a:buClr>
+                <a:schemeClr val="accent1"/>
+              </a:buClr>
+              <a:buSzPct val="80000"/>
+              <a:buFont typeface="Wingdings 3" charset="2"/>
+              <a:buChar char=""/>
+              <a:defRPr sz="1200" kern="1200">
+                <a:solidFill>
+                  <a:schemeClr val="tx1">
+                    <a:lumMod val="75000"/>
+                    <a:lumOff val="25000"/>
+                  </a:schemeClr>
+                </a:solidFill>
+                <a:latin typeface="+mn-lt"/>
+                <a:ea typeface="+mn-ea"/>
+                <a:cs typeface="+mn-cs"/>
+              </a:defRPr>
+            </a:lvl7pPr>
+            <a:lvl8pPr marL="3429000" indent="-228600" algn="l" defTabSz="457200" rtl="0" eaLnBrk="1" latinLnBrk="0" hangingPunct="1">
+              <a:spcBef>
+                <a:spcPts val="1000"/>
+              </a:spcBef>
+              <a:spcAft>
+                <a:spcPts val="0"/>
+              </a:spcAft>
+              <a:buClr>
+                <a:schemeClr val="accent1"/>
+              </a:buClr>
+              <a:buSzPct val="80000"/>
+              <a:buFont typeface="Wingdings 3" charset="2"/>
+              <a:buChar char=""/>
+              <a:defRPr sz="1200" kern="1200">
+                <a:solidFill>
+                  <a:schemeClr val="tx1">
+                    <a:lumMod val="75000"/>
+                    <a:lumOff val="25000"/>
+                  </a:schemeClr>
+                </a:solidFill>
+                <a:latin typeface="+mn-lt"/>
+                <a:ea typeface="+mn-ea"/>
+                <a:cs typeface="+mn-cs"/>
+              </a:defRPr>
+            </a:lvl8pPr>
+            <a:lvl9pPr marL="3886200" indent="-228600" algn="l" defTabSz="457200" rtl="0" eaLnBrk="1" latinLnBrk="0" hangingPunct="1">
+              <a:spcBef>
+                <a:spcPts val="1000"/>
+              </a:spcBef>
+              <a:spcAft>
+                <a:spcPts val="0"/>
+              </a:spcAft>
+              <a:buClr>
+                <a:schemeClr val="accent1"/>
+              </a:buClr>
+              <a:buSzPct val="80000"/>
+              <a:buFont typeface="Wingdings 3" charset="2"/>
+              <a:buChar char=""/>
+              <a:defRPr sz="1200" kern="1200">
+                <a:solidFill>
+                  <a:schemeClr val="tx1">
+                    <a:lumMod val="75000"/>
+                    <a:lumOff val="25000"/>
+                  </a:schemeClr>
+                </a:solidFill>
+                <a:latin typeface="+mn-lt"/>
+                <a:ea typeface="+mn-ea"/>
+                <a:cs typeface="+mn-cs"/>
+              </a:defRPr>
+            </a:lvl9pPr>
+          </a:lstStyle>
+          <a:p>
+            <a:r>
+              <a:rPr lang="ru-RU" dirty="0" smtClean="0"/>
+              <a:t>Попробовать запустить приложение из ОС. Совет банальный, но работает</a:t>
+            </a:r>
+          </a:p>
+          <a:p>
+            <a:r>
+              <a:rPr lang="ru-RU" dirty="0" smtClean="0"/>
+              <a:t>Проверить наличие т.н. фантомных процессов</a:t>
+            </a:r>
+          </a:p>
+          <a:p>
+            <a:r>
+              <a:rPr lang="ru-RU" dirty="0" smtClean="0"/>
+              <a:t>Включить </a:t>
+            </a:r>
+            <a:r>
+              <a:rPr lang="ru-RU" dirty="0" err="1" smtClean="0"/>
+              <a:t>журналирование</a:t>
+            </a:r>
+            <a:r>
+              <a:rPr lang="ru-RU" dirty="0" smtClean="0"/>
+              <a:t> в браузере(например для </a:t>
+            </a:r>
+            <a:r>
+              <a:rPr lang="en-US" dirty="0" smtClean="0"/>
+              <a:t>Google Chrome</a:t>
+            </a:r>
+            <a:r>
+              <a:rPr lang="ru-RU" dirty="0" smtClean="0"/>
+              <a:t>)</a:t>
+            </a:r>
+            <a:endParaRPr lang="en-US" dirty="0" smtClean="0"/>
+          </a:p>
+          <a:p>
+            <a:r>
+              <a:rPr lang="ru-RU" dirty="0" smtClean="0"/>
+              <a:t>Воспользоваться системными утилитами</a:t>
+            </a:r>
+          </a:p>
+          <a:p>
+            <a:endParaRPr lang="ru-RU" dirty="0" smtClean="0"/>
+          </a:p>
+        </p:txBody>
+      </p:sp>
+    </p:spTree>
+    <p:extLst>
+      <p:ext uri="{BB962C8B-B14F-4D97-AF65-F5344CB8AC3E}">
+        <p14:creationId xmlns:p14="http://schemas.microsoft.com/office/powerpoint/2010/main" val="3883806165"/>
+      </p:ext>
+    </p:extLst>
+  </p:cSld>
+  <p:clrMapOvr>
+    <a:masterClrMapping/>
+  </p:clrMapOvr>
+</p:sld>
+</file>
+
+<file path=ppt/slides/slide14.xml><?xml version="1.0" encoding="utf-8"?>
+<p:sld xmlns:a="http://schemas.openxmlformats.org/drawingml/2006/main" xmlns:r="http://schemas.openxmlformats.org/officeDocument/2006/relationships" xmlns:p="http://schemas.openxmlformats.org/presentationml/2006/main">
+  <p:cSld>
+    <p:spTree>
+      <p:nvGrpSpPr>
+        <p:cNvPr id="1" name=""/>
+        <p:cNvGrpSpPr/>
+        <p:nvPr/>
+      </p:nvGrpSpPr>
+      <p:grpSpPr>
+        <a:xfrm>
+          <a:off x="0" y="0"/>
+          <a:ext cx="0" cy="0"/>
+          <a:chOff x="0" y="0"/>
+          <a:chExt cx="0" cy="0"/>
+        </a:xfrm>
+      </p:grpSpPr>
+      <p:sp>
+        <p:nvSpPr>
+          <p:cNvPr id="2" name="Заголовок 1"/>
+          <p:cNvSpPr>
+            <a:spLocks noGrp="1"/>
+          </p:cNvSpPr>
+          <p:nvPr>
+            <p:ph type="title"/>
+          </p:nvPr>
+        </p:nvSpPr>
+        <p:spPr>
+          <a:xfrm>
+            <a:off x="677334" y="609600"/>
+            <a:ext cx="8596668" cy="627017"/>
+          </a:xfrm>
+        </p:spPr>
+        <p:txBody>
+          <a:bodyPr>
+            <a:normAutofit fontScale="90000"/>
+          </a:bodyPr>
+          <a:lstStyle/>
+          <a:p>
+            <a:r>
+              <a:rPr lang="ru-RU" dirty="0" smtClean="0"/>
+              <a:t>Еще нюансы</a:t>
+            </a:r>
+            <a:endParaRPr lang="ru-RU" dirty="0"/>
+          </a:p>
+        </p:txBody>
+      </p:sp>
+      <p:sp>
+        <p:nvSpPr>
+          <p:cNvPr id="3" name="Объект 2"/>
+          <p:cNvSpPr>
+            <a:spLocks noGrp="1"/>
+          </p:cNvSpPr>
+          <p:nvPr>
+            <p:ph idx="1"/>
+          </p:nvPr>
+        </p:nvSpPr>
+        <p:spPr>
+          <a:xfrm>
+            <a:off x="677334" y="1429069"/>
+            <a:ext cx="8596668" cy="3880773"/>
+          </a:xfrm>
+        </p:spPr>
+        <p:txBody>
+          <a:bodyPr/>
+          <a:lstStyle/>
+          <a:p>
+            <a:r>
+              <a:rPr lang="ru-RU" dirty="0" smtClean="0"/>
+              <a:t>Используйте </a:t>
+            </a:r>
+            <a:r>
+              <a:rPr lang="ru-RU" dirty="0" err="1" smtClean="0"/>
+              <a:t>многопоточность</a:t>
+            </a:r>
+            <a:r>
+              <a:rPr lang="ru-RU" dirty="0" smtClean="0"/>
+              <a:t> в приложении</a:t>
+            </a:r>
+          </a:p>
+          <a:p>
+            <a:r>
+              <a:rPr lang="ru-RU" dirty="0" smtClean="0"/>
+              <a:t>Помните, что после закрытия браузера </a:t>
+            </a:r>
+            <a:r>
+              <a:rPr lang="en-US" dirty="0" smtClean="0"/>
+              <a:t>Host application</a:t>
+            </a:r>
+            <a:r>
+              <a:rPr lang="ru-RU" dirty="0" smtClean="0"/>
+              <a:t> само не выключится</a:t>
+            </a:r>
+          </a:p>
+          <a:p>
+            <a:r>
+              <a:rPr lang="ru-RU" dirty="0" smtClean="0"/>
+              <a:t>Продумайте как будете обновлять </a:t>
+            </a:r>
+            <a:r>
+              <a:rPr lang="en-US" dirty="0"/>
+              <a:t>Host </a:t>
+            </a:r>
+            <a:r>
+              <a:rPr lang="en-US" dirty="0" smtClean="0"/>
+              <a:t>application</a:t>
+            </a:r>
+            <a:r>
+              <a:rPr lang="ru-RU" dirty="0" smtClean="0"/>
+              <a:t>. Системы обновления нет, приложение полностью самостоятельно</a:t>
+            </a:r>
+            <a:endParaRPr lang="ru-RU" dirty="0"/>
+          </a:p>
+        </p:txBody>
+      </p:sp>
+    </p:spTree>
+    <p:extLst>
+      <p:ext uri="{BB962C8B-B14F-4D97-AF65-F5344CB8AC3E}">
+        <p14:creationId xmlns:p14="http://schemas.microsoft.com/office/powerpoint/2010/main" val="3735765423"/>
+      </p:ext>
+    </p:extLst>
+  </p:cSld>
+  <p:clrMapOvr>
+    <a:masterClrMapping/>
+  </p:clrMapOvr>
+</p:sld>
+</file>
+
+<file path=ppt/slides/slide15.xml><?xml version="1.0" encoding="utf-8"?>
+<p:sld xmlns:a="http://schemas.openxmlformats.org/drawingml/2006/main" xmlns:r="http://schemas.openxmlformats.org/officeDocument/2006/relationships" xmlns:p="http://schemas.openxmlformats.org/presentationml/2006/main">
+  <p:cSld>
+    <p:spTree>
+      <p:nvGrpSpPr>
+        <p:cNvPr id="1" name=""/>
+        <p:cNvGrpSpPr/>
+        <p:nvPr/>
+      </p:nvGrpSpPr>
+      <p:grpSpPr>
+        <a:xfrm>
+          <a:off x="0" y="0"/>
+          <a:ext cx="0" cy="0"/>
+          <a:chOff x="0" y="0"/>
+          <a:chExt cx="0" cy="0"/>
+        </a:xfrm>
+      </p:grpSpPr>
+      <p:sp>
+        <p:nvSpPr>
+          <p:cNvPr id="2" name="Заголовок 1"/>
+          <p:cNvSpPr>
+            <a:spLocks noGrp="1"/>
+          </p:cNvSpPr>
+          <p:nvPr>
+            <p:ph type="title"/>
+          </p:nvPr>
+        </p:nvSpPr>
+        <p:spPr>
+          <a:xfrm>
+            <a:off x="677334" y="3010989"/>
+            <a:ext cx="8596668" cy="836023"/>
+          </a:xfrm>
+        </p:spPr>
+        <p:txBody>
+          <a:bodyPr/>
+          <a:lstStyle/>
+          <a:p>
+            <a:pPr algn="ctr"/>
+            <a:r>
+              <a:rPr lang="ru-RU" dirty="0" smtClean="0"/>
+              <a:t>Спасибо за внимание!</a:t>
+            </a:r>
+            <a:endParaRPr lang="ru-RU" dirty="0"/>
+          </a:p>
+        </p:txBody>
+      </p:sp>
+    </p:spTree>
+    <p:extLst>
+      <p:ext uri="{BB962C8B-B14F-4D97-AF65-F5344CB8AC3E}">
+        <p14:creationId xmlns:p14="http://schemas.microsoft.com/office/powerpoint/2010/main" val="3356950196"/>
       </p:ext>
     </p:extLst>
   </p:cSld>
@@ -6217,15 +7289,7 @@
           <a:p>
             <a:r>
               <a:rPr lang="ru-RU" dirty="0" smtClean="0"/>
-              <a:t>Что могут и че</a:t>
-            </a:r>
-            <a:r>
-              <a:rPr lang="ru-RU" dirty="0" smtClean="0"/>
-              <a:t>го</a:t>
-            </a:r>
-            <a:r>
-              <a:rPr lang="ru-RU" dirty="0" smtClean="0"/>
-              <a:t> </a:t>
+              <a:t>Что могут и чего </a:t>
             </a:r>
             <a:r>
               <a:rPr lang="ru-RU" dirty="0"/>
@@ -6895,6 +7959,200 @@
           </a:fontRef>
         </p:style>
       </p:cxnSp>
+      <p:sp>
+        <p:nvSpPr>
+          <p:cNvPr id="3" name="Прямоугольник 2"/>
+          <p:cNvSpPr/>
+          <p:nvPr/>
+        </p:nvSpPr>
+        <p:spPr>
+          <a:xfrm>
+            <a:off x="509721" y="3178456"/>
+            <a:ext cx="8564610" cy="3416320"/>
+          </a:xfrm>
+          <a:prstGeom prst="rect">
+            <a:avLst/>
+          </a:prstGeom>
+        </p:spPr>
+        <p:txBody>
+          <a:bodyPr wrap="square">
+            <a:spAutoFit/>
+          </a:bodyPr>
+          <a:lstStyle/>
+          <a:p>
+            <a:pPr marL="285750" indent="-285750">
+              <a:buFont typeface="Arial" panose="020B0604020202020204" pitchFamily="34" charset="0"/>
+              <a:buChar char="•"/>
+            </a:pPr>
+            <a:r>
+              <a:rPr lang="en-US" dirty="0" smtClean="0"/>
+              <a:t>proxy </a:t>
+            </a:r>
+            <a:r>
+              <a:rPr lang="ru-RU" dirty="0" smtClean="0"/>
+              <a:t>– модификация </a:t>
+            </a:r>
+            <a:r>
+              <a:rPr lang="en-US" dirty="0" smtClean="0"/>
+              <a:t>DOM</a:t>
+            </a:r>
+            <a:r>
+              <a:rPr lang="ru-RU" dirty="0" smtClean="0"/>
+              <a:t> на этапе загрузки страницы.</a:t>
+            </a:r>
+            <a:endParaRPr lang="en-US" dirty="0" smtClean="0"/>
+          </a:p>
+          <a:p>
+            <a:r>
+              <a:rPr lang="en-US" dirty="0"/>
+              <a:t> </a:t>
+            </a:r>
+            <a:r>
+              <a:rPr lang="en-US" dirty="0" smtClean="0"/>
+              <a:t>   </a:t>
+            </a:r>
+            <a:r>
+              <a:rPr lang="ru-RU" dirty="0" smtClean="0"/>
+              <a:t>минусы</a:t>
+            </a:r>
+            <a:r>
+              <a:rPr lang="ru-RU" dirty="0"/>
+              <a:t>: стороннее </a:t>
+            </a:r>
+            <a:r>
+              <a:rPr lang="ru-RU" dirty="0" smtClean="0"/>
+              <a:t>приложение</a:t>
+            </a:r>
+            <a:endParaRPr lang="en-US" dirty="0" smtClean="0"/>
+          </a:p>
+          <a:p>
+            <a:pPr marL="285750" indent="-285750">
+              <a:buFont typeface="Arial" panose="020B0604020202020204" pitchFamily="34" charset="0"/>
+              <a:buChar char="•"/>
+            </a:pPr>
+            <a:r>
+              <a:rPr lang="en-US" dirty="0" err="1"/>
+              <a:t>userscript</a:t>
+            </a:r>
+            <a:r>
+              <a:rPr lang="ru-RU" dirty="0"/>
+              <a:t> - модификация </a:t>
+            </a:r>
+            <a:r>
+              <a:rPr lang="en-US" dirty="0"/>
+              <a:t>DOM</a:t>
+            </a:r>
+            <a:r>
+              <a:rPr lang="ru-RU" dirty="0"/>
+              <a:t> на этапе загрузки страницы. Уже не стороннее приложение</a:t>
+            </a:r>
+            <a:r>
+              <a:rPr lang="ru-RU" dirty="0" smtClean="0"/>
+              <a:t>.</a:t>
+            </a:r>
+            <a:endParaRPr lang="ru-RU" dirty="0"/>
+          </a:p>
+          <a:p>
+            <a:r>
+              <a:rPr lang="en-US" dirty="0"/>
+              <a:t>    </a:t>
+            </a:r>
+            <a:r>
+              <a:rPr lang="ru-RU" dirty="0" smtClean="0"/>
+              <a:t>минусы</a:t>
+            </a:r>
+            <a:r>
+              <a:rPr lang="ru-RU" dirty="0"/>
+              <a:t>: после того как </a:t>
+            </a:r>
+            <a:r>
+              <a:rPr lang="en-US" dirty="0"/>
+              <a:t>DOM </a:t>
+            </a:r>
+            <a:r>
+              <a:rPr lang="ru-RU" dirty="0"/>
+              <a:t>загружен, модификация не </a:t>
+            </a:r>
+            <a:r>
+              <a:rPr lang="ru-RU" dirty="0" smtClean="0"/>
+              <a:t>выполняется</a:t>
+            </a:r>
+          </a:p>
+          <a:p>
+            <a:r>
+              <a:rPr lang="ru-RU" dirty="0"/>
+              <a:t> </a:t>
+            </a:r>
+            <a:r>
+              <a:rPr lang="ru-RU" dirty="0" smtClean="0"/>
+              <a:t>   Нет взаимодействия с пользователем</a:t>
+            </a:r>
+            <a:endParaRPr lang="en-US" dirty="0" smtClean="0"/>
+          </a:p>
+          <a:p>
+            <a:pPr marL="285750" indent="-285750">
+              <a:buFont typeface="Arial" panose="020B0604020202020204" pitchFamily="34" charset="0"/>
+              <a:buChar char="•"/>
+            </a:pPr>
+            <a:r>
+              <a:rPr lang="en-US" dirty="0"/>
+              <a:t>old extension</a:t>
+            </a:r>
+            <a:r>
+              <a:rPr lang="ru-RU" dirty="0"/>
+              <a:t> – модификация в любой момент, выполнение сложных </a:t>
+            </a:r>
+            <a:r>
+              <a:rPr lang="ru-RU" dirty="0" smtClean="0"/>
+              <a:t>операций.</a:t>
+            </a:r>
+          </a:p>
+          <a:p>
+            <a:r>
+              <a:rPr lang="ru-RU" dirty="0" smtClean="0"/>
+              <a:t>    минусы: сложность создания</a:t>
+            </a:r>
+            <a:endParaRPr lang="en-US" dirty="0"/>
+          </a:p>
+          <a:p>
+            <a:pPr marL="285750" indent="-285750">
+              <a:buFont typeface="Arial" panose="020B0604020202020204" pitchFamily="34" charset="0"/>
+              <a:buChar char="•"/>
+            </a:pPr>
+            <a:r>
+              <a:rPr lang="en-US" dirty="0"/>
+              <a:t>modern </a:t>
+            </a:r>
+            <a:r>
+              <a:rPr lang="en-US" dirty="0" smtClean="0"/>
+              <a:t>extension</a:t>
+            </a:r>
+            <a:r>
+              <a:rPr lang="ru-RU" dirty="0" smtClean="0"/>
+              <a:t> - </a:t>
+            </a:r>
+            <a:r>
+              <a:rPr lang="ru-RU" dirty="0"/>
+              <a:t>модификация в любой момент, выполнение сложных </a:t>
+            </a:r>
+            <a:r>
+              <a:rPr lang="ru-RU" dirty="0" smtClean="0"/>
+              <a:t>операций, появился </a:t>
+            </a:r>
+            <a:r>
+              <a:rPr lang="en-US" dirty="0" smtClean="0"/>
+              <a:t>Native messaging</a:t>
+            </a:r>
+          </a:p>
+          <a:p>
+            <a:pPr marL="285750" indent="-285750">
+              <a:buFont typeface="Arial" panose="020B0604020202020204" pitchFamily="34" charset="0"/>
+              <a:buChar char="•"/>
+            </a:pPr>
+            <a:endParaRPr lang="en-US" dirty="0" smtClean="0"/>
+          </a:p>
+        </p:txBody>
+      </p:sp>
     </p:spTree>
     <p:extLst>
       <p:ext uri="{BB962C8B-B14F-4D97-AF65-F5344CB8AC3E}">
@@ -6912,6 +8170,1883 @@
       </p:par>
     </p:tnLst>
   </p:timing>
+</p:sld>
+</file>
+
+<file path=ppt/slides/slide6.xml><?xml version="1.0" encoding="utf-8"?>
+<p:sld xmlns:a="http://schemas.openxmlformats.org/drawingml/2006/main" xmlns:r="http://schemas.openxmlformats.org/officeDocument/2006/relationships" xmlns:p="http://schemas.openxmlformats.org/presentationml/2006/main">
+  <p:cSld>
+    <p:spTree>
+      <p:nvGrpSpPr>
+        <p:cNvPr id="1" name=""/>
+        <p:cNvGrpSpPr/>
+        <p:nvPr/>
+      </p:nvGrpSpPr>
+      <p:grpSpPr>
+        <a:xfrm>
+          <a:off x="0" y="0"/>
+          <a:ext cx="0" cy="0"/>
+          <a:chOff x="0" y="0"/>
+          <a:chExt cx="0" cy="0"/>
+        </a:xfrm>
+      </p:grpSpPr>
+      <p:sp>
+        <p:nvSpPr>
+          <p:cNvPr id="2" name="Заголовок 1"/>
+          <p:cNvSpPr>
+            <a:spLocks noGrp="1"/>
+          </p:cNvSpPr>
+          <p:nvPr>
+            <p:ph type="title"/>
+          </p:nvPr>
+        </p:nvSpPr>
+        <p:spPr>
+          <a:xfrm>
+            <a:off x="677334" y="609600"/>
+            <a:ext cx="8596668" cy="609600"/>
+          </a:xfrm>
+        </p:spPr>
+        <p:txBody>
+          <a:bodyPr>
+            <a:normAutofit fontScale="90000"/>
+          </a:bodyPr>
+          <a:lstStyle/>
+          <a:p>
+            <a:r>
+              <a:rPr lang="ru-RU" dirty="0" smtClean="0"/>
+              <a:t>Почему еще </a:t>
+            </a:r>
+            <a:r>
+              <a:rPr lang="en-US" dirty="0" smtClean="0"/>
+              <a:t>modern extensions </a:t>
+            </a:r>
+            <a:r>
+              <a:rPr lang="ru-RU" dirty="0" smtClean="0"/>
+              <a:t>это хорошо</a:t>
+            </a:r>
+            <a:endParaRPr lang="ru-RU" dirty="0"/>
+          </a:p>
+        </p:txBody>
+      </p:sp>
+      <p:sp>
+        <p:nvSpPr>
+          <p:cNvPr id="3" name="Объект 2"/>
+          <p:cNvSpPr>
+            <a:spLocks noGrp="1"/>
+          </p:cNvSpPr>
+          <p:nvPr>
+            <p:ph idx="1"/>
+          </p:nvPr>
+        </p:nvSpPr>
+        <p:spPr>
+          <a:xfrm>
+            <a:off x="677334" y="1341121"/>
+            <a:ext cx="8596668" cy="4700242"/>
+          </a:xfrm>
+        </p:spPr>
+        <p:txBody>
+          <a:bodyPr/>
+          <a:lstStyle/>
+          <a:p>
+            <a:endParaRPr lang="en-US" dirty="0" smtClean="0"/>
+          </a:p>
+          <a:p>
+            <a:endParaRPr lang="en-US" dirty="0" smtClean="0"/>
+          </a:p>
+          <a:p>
+            <a:endParaRPr lang="en-US" dirty="0"/>
+          </a:p>
+          <a:p>
+            <a:r>
+              <a:rPr lang="ru-RU" dirty="0"/>
+              <a:t>Идет процесс </a:t>
+            </a:r>
+            <a:r>
+              <a:rPr lang="ru-RU" dirty="0" smtClean="0"/>
+              <a:t>стандартизации</a:t>
+            </a:r>
+            <a:r>
+              <a:rPr lang="en-US" dirty="0" smtClean="0"/>
+              <a:t> </a:t>
+            </a:r>
+            <a:r>
+              <a:rPr lang="en-US" dirty="0">
+                <a:hlinkClick r:id="rId2"/>
+              </a:rPr>
+              <a:t>https://www.w3.org/community/browserext/</a:t>
+            </a:r>
+            <a:endParaRPr lang="en-US" dirty="0"/>
+          </a:p>
+          <a:p>
+            <a:r>
+              <a:rPr lang="ru-RU" dirty="0" smtClean="0"/>
+              <a:t>Отказ от старой технологии и переход к пришедшей на замену практически всегда положителен</a:t>
+            </a:r>
+          </a:p>
+          <a:p>
+            <a:r>
+              <a:rPr lang="ru-RU" dirty="0"/>
+              <a:t>Легковесные</a:t>
+            </a:r>
+            <a:r>
+              <a:rPr lang="en-US" dirty="0"/>
+              <a:t> –</a:t>
+            </a:r>
+            <a:r>
+              <a:rPr lang="ru-RU" dirty="0"/>
+              <a:t> </a:t>
+            </a:r>
+            <a:r>
+              <a:rPr lang="en-US" dirty="0"/>
+              <a:t>JS + HTML + </a:t>
+            </a:r>
+            <a:r>
+              <a:rPr lang="en-US" dirty="0" smtClean="0"/>
+              <a:t>CSS</a:t>
+            </a:r>
+            <a:r>
+              <a:rPr lang="ru-RU" dirty="0" smtClean="0"/>
+              <a:t>, все что вам понадобится. В качестве приложения хоста может использоваться</a:t>
+            </a:r>
+            <a:r>
+              <a:rPr lang="en-US" dirty="0"/>
+              <a:t> </a:t>
+            </a:r>
+            <a:r>
+              <a:rPr lang="en-US" dirty="0" smtClean="0"/>
+              <a:t>Node.js</a:t>
+            </a:r>
+            <a:endParaRPr lang="en-US" dirty="0"/>
+          </a:p>
+          <a:p>
+            <a:r>
+              <a:rPr lang="ru-RU" dirty="0" smtClean="0"/>
+              <a:t>Стандартизация для всех современных браузеров, не только в части реализации, но и в доставке и публикации</a:t>
+            </a:r>
+            <a:endParaRPr lang="ru-RU" dirty="0"/>
+          </a:p>
+        </p:txBody>
+      </p:sp>
+      <p:pic>
+        <p:nvPicPr>
+          <p:cNvPr id="5" name="Рисунок 4"/>
+          <p:cNvPicPr>
+            <a:picLocks noChangeAspect="1"/>
+          </p:cNvPicPr>
+          <p:nvPr/>
+        </p:nvPicPr>
+        <p:blipFill>
+          <a:blip r:embed="rId3">
+            <a:extLst>
+              <a:ext uri="{28A0092B-C50C-407E-A947-70E740481C1C}">
+                <a14:useLocalDpi xmlns:a14="http://schemas.microsoft.com/office/drawing/2010/main" val="0"/>
+              </a:ext>
+            </a:extLst>
+          </a:blip>
+          <a:stretch>
+            <a:fillRect/>
+          </a:stretch>
+        </p:blipFill>
+        <p:spPr>
+          <a:xfrm>
+            <a:off x="517480" y="1219200"/>
+            <a:ext cx="1438275" cy="1438275"/>
+          </a:xfrm>
+          <a:prstGeom prst="rect">
+            <a:avLst/>
+          </a:prstGeom>
+        </p:spPr>
+      </p:pic>
+    </p:spTree>
+    <p:extLst>
+      <p:ext uri="{BB962C8B-B14F-4D97-AF65-F5344CB8AC3E}">
+        <p14:creationId xmlns:p14="http://schemas.microsoft.com/office/powerpoint/2010/main" val="2639890278"/>
+      </p:ext>
+    </p:extLst>
+  </p:cSld>
+  <p:clrMapOvr>
+    <a:masterClrMapping/>
+  </p:clrMapOvr>
+</p:sld>
+</file>
+
+<file path=ppt/slides/slide7.xml><?xml version="1.0" encoding="utf-8"?>
+<p:sld xmlns:a="http://schemas.openxmlformats.org/drawingml/2006/main" xmlns:r="http://schemas.openxmlformats.org/officeDocument/2006/relationships" xmlns:p="http://schemas.openxmlformats.org/presentationml/2006/main">
+  <p:cSld>
+    <p:spTree>
+      <p:nvGrpSpPr>
+        <p:cNvPr id="1" name=""/>
+        <p:cNvGrpSpPr/>
+        <p:nvPr/>
+      </p:nvGrpSpPr>
+      <p:grpSpPr>
+        <a:xfrm>
+          <a:off x="0" y="0"/>
+          <a:ext cx="0" cy="0"/>
+          <a:chOff x="0" y="0"/>
+          <a:chExt cx="0" cy="0"/>
+        </a:xfrm>
+      </p:grpSpPr>
+      <p:sp>
+        <p:nvSpPr>
+          <p:cNvPr id="2" name="Заголовок 1"/>
+          <p:cNvSpPr>
+            <a:spLocks noGrp="1"/>
+          </p:cNvSpPr>
+          <p:nvPr>
+            <p:ph type="title"/>
+          </p:nvPr>
+        </p:nvSpPr>
+        <p:spPr>
+          <a:xfrm>
+            <a:off x="677334" y="609600"/>
+            <a:ext cx="8596668" cy="583474"/>
+          </a:xfrm>
+        </p:spPr>
+        <p:txBody>
+          <a:bodyPr>
+            <a:normAutofit fontScale="90000"/>
+          </a:bodyPr>
+          <a:lstStyle/>
+          <a:p>
+            <a:r>
+              <a:rPr lang="ru-RU" dirty="0" smtClean="0"/>
+              <a:t>Что из себя представляет</a:t>
+            </a:r>
+            <a:endParaRPr lang="ru-RU" dirty="0"/>
+          </a:p>
+        </p:txBody>
+      </p:sp>
+      <p:sp>
+        <p:nvSpPr>
+          <p:cNvPr id="3" name="Объект 2"/>
+          <p:cNvSpPr>
+            <a:spLocks noGrp="1"/>
+          </p:cNvSpPr>
+          <p:nvPr>
+            <p:ph idx="1"/>
+          </p:nvPr>
+        </p:nvSpPr>
+        <p:spPr>
+          <a:xfrm>
+            <a:off x="677334" y="1393372"/>
+            <a:ext cx="8596668" cy="627017"/>
+          </a:xfrm>
+        </p:spPr>
+        <p:txBody>
+          <a:bodyPr/>
+          <a:lstStyle/>
+          <a:p>
+            <a:pPr marL="0" indent="0">
+              <a:buNone/>
+            </a:pPr>
+            <a:r>
+              <a:rPr lang="ru-RU" dirty="0" smtClean="0"/>
+              <a:t>Расширение – полноценное </a:t>
+            </a:r>
+            <a:r>
+              <a:rPr lang="en-US" dirty="0" smtClean="0"/>
+              <a:t>web-</a:t>
+            </a:r>
+            <a:r>
+              <a:rPr lang="ru-RU" dirty="0" smtClean="0"/>
+              <a:t>приложение, с личным </a:t>
+            </a:r>
+            <a:r>
+              <a:rPr lang="en-US" dirty="0" smtClean="0"/>
+              <a:t>DOM</a:t>
+            </a:r>
+            <a:endParaRPr lang="ru-RU" dirty="0"/>
+          </a:p>
+          <a:p>
+            <a:pPr marL="0" indent="0">
+              <a:buNone/>
+            </a:pPr>
+            <a:endParaRPr lang="ru-RU" dirty="0" smtClean="0"/>
+          </a:p>
+          <a:p>
+            <a:endParaRPr lang="ru-RU" dirty="0"/>
+          </a:p>
+        </p:txBody>
+      </p:sp>
+      <p:sp>
+        <p:nvSpPr>
+          <p:cNvPr id="4" name="Объект 2"/>
+          <p:cNvSpPr txBox="1">
+            <a:spLocks/>
+          </p:cNvSpPr>
+          <p:nvPr/>
+        </p:nvSpPr>
+        <p:spPr>
+          <a:xfrm>
+            <a:off x="829734" y="2020387"/>
+            <a:ext cx="8596668" cy="2455819"/>
+          </a:xfrm>
+          <a:prstGeom prst="rect">
+            <a:avLst/>
+          </a:prstGeom>
+        </p:spPr>
+        <p:txBody>
+          <a:bodyPr vert="horz" lIns="91440" tIns="45720" rIns="91440" bIns="45720" rtlCol="0">
+            <a:normAutofit lnSpcReduction="10000"/>
+          </a:bodyPr>
+          <a:lstStyle>
+            <a:lvl1pPr marL="342900" indent="-342900" algn="l" defTabSz="457200" rtl="0" eaLnBrk="1" latinLnBrk="0" hangingPunct="1">
+              <a:spcBef>
+                <a:spcPts val="1000"/>
+              </a:spcBef>
+              <a:spcAft>
+                <a:spcPts val="0"/>
+              </a:spcAft>
+              <a:buClr>
+                <a:schemeClr val="accent1"/>
+              </a:buClr>
+              <a:buSzPct val="80000"/>
+              <a:buFont typeface="Wingdings 3" charset="2"/>
+              <a:buChar char=""/>
+              <a:defRPr sz="1800" kern="1200">
+                <a:solidFill>
+                  <a:schemeClr val="tx1">
+                    <a:lumMod val="75000"/>
+                    <a:lumOff val="25000"/>
+                  </a:schemeClr>
+                </a:solidFill>
+                <a:latin typeface="+mn-lt"/>
+                <a:ea typeface="+mn-ea"/>
+                <a:cs typeface="+mn-cs"/>
+              </a:defRPr>
+            </a:lvl1pPr>
+            <a:lvl2pPr marL="742950" indent="-285750" algn="l" defTabSz="457200" rtl="0" eaLnBrk="1" latinLnBrk="0" hangingPunct="1">
+              <a:spcBef>
+                <a:spcPts val="1000"/>
+              </a:spcBef>
+              <a:spcAft>
+                <a:spcPts val="0"/>
+              </a:spcAft>
+              <a:buClr>
+                <a:schemeClr val="accent1"/>
+              </a:buClr>
+              <a:buSzPct val="80000"/>
+              <a:buFont typeface="Wingdings 3" charset="2"/>
+              <a:buChar char=""/>
+              <a:defRPr sz="1600" kern="1200">
+                <a:solidFill>
+                  <a:schemeClr val="tx1">
+                    <a:lumMod val="75000"/>
+                    <a:lumOff val="25000"/>
+                  </a:schemeClr>
+                </a:solidFill>
+                <a:latin typeface="+mn-lt"/>
+                <a:ea typeface="+mn-ea"/>
+                <a:cs typeface="+mn-cs"/>
+              </a:defRPr>
+            </a:lvl2pPr>
+            <a:lvl3pPr marL="1143000" indent="-228600" algn="l" defTabSz="457200" rtl="0" eaLnBrk="1" latinLnBrk="0" hangingPunct="1">
+              <a:spcBef>
+                <a:spcPts val="1000"/>
+              </a:spcBef>
+              <a:spcAft>
+                <a:spcPts val="0"/>
+              </a:spcAft>
+              <a:buClr>
+                <a:schemeClr val="accent1"/>
+              </a:buClr>
+              <a:buSzPct val="80000"/>
+              <a:buFont typeface="Wingdings 3" charset="2"/>
+              <a:buChar char=""/>
+              <a:defRPr sz="1400" kern="1200">
+                <a:solidFill>
+                  <a:schemeClr val="tx1">
+                    <a:lumMod val="75000"/>
+                    <a:lumOff val="25000"/>
+                  </a:schemeClr>
+                </a:solidFill>
+                <a:latin typeface="+mn-lt"/>
+                <a:ea typeface="+mn-ea"/>
+                <a:cs typeface="+mn-cs"/>
+              </a:defRPr>
+            </a:lvl3pPr>
+            <a:lvl4pPr marL="1600200" indent="-228600" algn="l" defTabSz="457200" rtl="0" eaLnBrk="1" latinLnBrk="0" hangingPunct="1">
+              <a:spcBef>
+                <a:spcPts val="1000"/>
+              </a:spcBef>
+              <a:spcAft>
+                <a:spcPts val="0"/>
+              </a:spcAft>
+              <a:buClr>
+                <a:schemeClr val="accent1"/>
+              </a:buClr>
+              <a:buSzPct val="80000"/>
+              <a:buFont typeface="Wingdings 3" charset="2"/>
+              <a:buChar char=""/>
+              <a:defRPr sz="1200" kern="1200">
+                <a:solidFill>
+                  <a:schemeClr val="tx1">
+                    <a:lumMod val="75000"/>
+                    <a:lumOff val="25000"/>
+                  </a:schemeClr>
+                </a:solidFill>
+                <a:latin typeface="+mn-lt"/>
+                <a:ea typeface="+mn-ea"/>
+                <a:cs typeface="+mn-cs"/>
+              </a:defRPr>
+            </a:lvl4pPr>
+            <a:lvl5pPr marL="2057400" indent="-228600" algn="l" defTabSz="457200" rtl="0" eaLnBrk="1" latinLnBrk="0" hangingPunct="1">
+              <a:spcBef>
+                <a:spcPts val="1000"/>
+              </a:spcBef>
+              <a:spcAft>
+                <a:spcPts val="0"/>
+              </a:spcAft>
+              <a:buClr>
+                <a:schemeClr val="accent1"/>
+              </a:buClr>
+              <a:buSzPct val="80000"/>
+              <a:buFont typeface="Wingdings 3" charset="2"/>
+              <a:buChar char=""/>
+              <a:defRPr sz="1200" kern="1200">
+                <a:solidFill>
+                  <a:schemeClr val="tx1">
+                    <a:lumMod val="75000"/>
+                    <a:lumOff val="25000"/>
+                  </a:schemeClr>
+                </a:solidFill>
+                <a:latin typeface="+mn-lt"/>
+                <a:ea typeface="+mn-ea"/>
+                <a:cs typeface="+mn-cs"/>
+              </a:defRPr>
+            </a:lvl5pPr>
+            <a:lvl6pPr marL="2514600" indent="-228600" algn="l" defTabSz="457200" rtl="0" eaLnBrk="1" latinLnBrk="0" hangingPunct="1">
+              <a:spcBef>
+                <a:spcPts val="1000"/>
+              </a:spcBef>
+              <a:spcAft>
+                <a:spcPts val="0"/>
+              </a:spcAft>
+              <a:buClr>
+                <a:schemeClr val="accent1"/>
+              </a:buClr>
+              <a:buSzPct val="80000"/>
+              <a:buFont typeface="Wingdings 3" charset="2"/>
+              <a:buChar char=""/>
+              <a:defRPr sz="1200" kern="1200">
+                <a:solidFill>
+                  <a:schemeClr val="tx1">
+                    <a:lumMod val="75000"/>
+                    <a:lumOff val="25000"/>
+                  </a:schemeClr>
+                </a:solidFill>
+                <a:latin typeface="+mn-lt"/>
+                <a:ea typeface="+mn-ea"/>
+                <a:cs typeface="+mn-cs"/>
+              </a:defRPr>
+            </a:lvl6pPr>
+            <a:lvl7pPr marL="2971800" indent="-228600" algn="l" defTabSz="457200" rtl="0" eaLnBrk="1" latinLnBrk="0" hangingPunct="1">
+              <a:spcBef>
+                <a:spcPts val="1000"/>
+              </a:spcBef>
+              <a:spcAft>
+                <a:spcPts val="0"/>
+              </a:spcAft>
+              <a:buClr>
+                <a:schemeClr val="accent1"/>
+              </a:buClr>
+              <a:buSzPct val="80000"/>
+              <a:buFont typeface="Wingdings 3" charset="2"/>
+              <a:buChar char=""/>
+              <a:defRPr sz="1200" kern="1200">
+                <a:solidFill>
+                  <a:schemeClr val="tx1">
+                    <a:lumMod val="75000"/>
+                    <a:lumOff val="25000"/>
+                  </a:schemeClr>
+                </a:solidFill>
+                <a:latin typeface="+mn-lt"/>
+                <a:ea typeface="+mn-ea"/>
+                <a:cs typeface="+mn-cs"/>
+              </a:defRPr>
+            </a:lvl7pPr>
+            <a:lvl8pPr marL="3429000" indent="-228600" algn="l" defTabSz="457200" rtl="0" eaLnBrk="1" latinLnBrk="0" hangingPunct="1">
+              <a:spcBef>
+                <a:spcPts val="1000"/>
+              </a:spcBef>
+              <a:spcAft>
+                <a:spcPts val="0"/>
+              </a:spcAft>
+              <a:buClr>
+                <a:schemeClr val="accent1"/>
+              </a:buClr>
+              <a:buSzPct val="80000"/>
+              <a:buFont typeface="Wingdings 3" charset="2"/>
+              <a:buChar char=""/>
+              <a:defRPr sz="1200" kern="1200">
+                <a:solidFill>
+                  <a:schemeClr val="tx1">
+                    <a:lumMod val="75000"/>
+                    <a:lumOff val="25000"/>
+                  </a:schemeClr>
+                </a:solidFill>
+                <a:latin typeface="+mn-lt"/>
+                <a:ea typeface="+mn-ea"/>
+                <a:cs typeface="+mn-cs"/>
+              </a:defRPr>
+            </a:lvl8pPr>
+            <a:lvl9pPr marL="3886200" indent="-228600" algn="l" defTabSz="457200" rtl="0" eaLnBrk="1" latinLnBrk="0" hangingPunct="1">
+              <a:spcBef>
+                <a:spcPts val="1000"/>
+              </a:spcBef>
+              <a:spcAft>
+                <a:spcPts val="0"/>
+              </a:spcAft>
+              <a:buClr>
+                <a:schemeClr val="accent1"/>
+              </a:buClr>
+              <a:buSzPct val="80000"/>
+              <a:buFont typeface="Wingdings 3" charset="2"/>
+              <a:buChar char=""/>
+              <a:defRPr sz="1200" kern="1200">
+                <a:solidFill>
+                  <a:schemeClr val="tx1">
+                    <a:lumMod val="75000"/>
+                    <a:lumOff val="25000"/>
+                  </a:schemeClr>
+                </a:solidFill>
+                <a:latin typeface="+mn-lt"/>
+                <a:ea typeface="+mn-ea"/>
+                <a:cs typeface="+mn-cs"/>
+              </a:defRPr>
+            </a:lvl9pPr>
+          </a:lstStyle>
+          <a:p>
+            <a:r>
+              <a:rPr lang="en-US" dirty="0" err="1" smtClean="0"/>
+              <a:t>manifest.json</a:t>
+            </a:r>
+            <a:r>
+              <a:rPr lang="en-US" dirty="0" smtClean="0"/>
+              <a:t> – </a:t>
+            </a:r>
+            <a:r>
+              <a:rPr lang="ru-RU" dirty="0" smtClean="0"/>
+              <a:t>основа расширения. </a:t>
+            </a:r>
+            <a:endParaRPr lang="en-US" dirty="0" smtClean="0"/>
+          </a:p>
+          <a:p>
+            <a:pPr marL="0" indent="0">
+              <a:buNone/>
+            </a:pPr>
+            <a:r>
+              <a:rPr lang="en-US" dirty="0" smtClean="0"/>
+              <a:t>     </a:t>
+            </a:r>
+            <a:r>
+              <a:rPr lang="ru-RU" dirty="0" smtClean="0"/>
+              <a:t>Создал </a:t>
+            </a:r>
+            <a:r>
+              <a:rPr lang="en-US" dirty="0" err="1" smtClean="0"/>
+              <a:t>manifest.json</a:t>
+            </a:r>
+            <a:r>
+              <a:rPr lang="ru-RU" dirty="0" smtClean="0"/>
+              <a:t> == создал расширение</a:t>
+            </a:r>
+          </a:p>
+          <a:p>
+            <a:r>
+              <a:rPr lang="ru-RU" dirty="0" smtClean="0"/>
+              <a:t>Фоновая страница – тот самый </a:t>
+            </a:r>
+            <a:r>
+              <a:rPr lang="en-US" dirty="0" smtClean="0"/>
+              <a:t>DOM</a:t>
+            </a:r>
+            <a:endParaRPr lang="en-US" dirty="0"/>
+          </a:p>
+          <a:p>
+            <a:pPr marL="0" indent="0">
+              <a:buNone/>
+            </a:pPr>
+            <a:r>
+              <a:rPr lang="ru-RU" dirty="0" smtClean="0"/>
+              <a:t> </a:t>
+            </a:r>
+            <a:r>
+              <a:rPr lang="en-US" dirty="0" smtClean="0"/>
+              <a:t>    </a:t>
+            </a:r>
+            <a:r>
+              <a:rPr lang="ru-RU" dirty="0" smtClean="0"/>
+              <a:t>К нему будет добавлен скрипт фоновой страницы и/или в который будет          вставлен </a:t>
+            </a:r>
+            <a:r>
+              <a:rPr lang="en-US" dirty="0" smtClean="0"/>
+              <a:t>html</a:t>
+            </a:r>
+            <a:r>
+              <a:rPr lang="ru-RU" dirty="0" smtClean="0"/>
+              <a:t>, если будет использоваться</a:t>
+            </a:r>
+            <a:endParaRPr lang="en-US" dirty="0" smtClean="0"/>
+          </a:p>
+          <a:p>
+            <a:endParaRPr lang="en-US" dirty="0" smtClean="0"/>
+          </a:p>
+          <a:p>
+            <a:pPr marL="0" indent="0">
+              <a:buNone/>
+            </a:pPr>
+            <a:r>
+              <a:rPr lang="en-US" dirty="0"/>
+              <a:t> </a:t>
+            </a:r>
+            <a:endParaRPr lang="ru-RU" dirty="0"/>
+          </a:p>
+        </p:txBody>
+      </p:sp>
+      <p:sp>
+        <p:nvSpPr>
+          <p:cNvPr id="5" name="Объект 2"/>
+          <p:cNvSpPr txBox="1">
+            <a:spLocks/>
+          </p:cNvSpPr>
+          <p:nvPr/>
+        </p:nvSpPr>
+        <p:spPr>
+          <a:xfrm>
+            <a:off x="677334" y="4197529"/>
+            <a:ext cx="8596668" cy="1045028"/>
+          </a:xfrm>
+          <a:prstGeom prst="rect">
+            <a:avLst/>
+          </a:prstGeom>
+        </p:spPr>
+        <p:txBody>
+          <a:bodyPr vert="horz" lIns="91440" tIns="45720" rIns="91440" bIns="45720" rtlCol="0">
+            <a:normAutofit/>
+          </a:bodyPr>
+          <a:lstStyle>
+            <a:lvl1pPr marL="342900" indent="-342900" algn="l" defTabSz="457200" rtl="0" eaLnBrk="1" latinLnBrk="0" hangingPunct="1">
+              <a:spcBef>
+                <a:spcPts val="1000"/>
+              </a:spcBef>
+              <a:spcAft>
+                <a:spcPts val="0"/>
+              </a:spcAft>
+              <a:buClr>
+                <a:schemeClr val="accent1"/>
+              </a:buClr>
+              <a:buSzPct val="80000"/>
+              <a:buFont typeface="Wingdings 3" charset="2"/>
+              <a:buChar char=""/>
+              <a:defRPr sz="1800" kern="1200">
+                <a:solidFill>
+                  <a:schemeClr val="tx1">
+                    <a:lumMod val="75000"/>
+                    <a:lumOff val="25000"/>
+                  </a:schemeClr>
+                </a:solidFill>
+                <a:latin typeface="+mn-lt"/>
+                <a:ea typeface="+mn-ea"/>
+                <a:cs typeface="+mn-cs"/>
+              </a:defRPr>
+            </a:lvl1pPr>
+            <a:lvl2pPr marL="742950" indent="-285750" algn="l" defTabSz="457200" rtl="0" eaLnBrk="1" latinLnBrk="0" hangingPunct="1">
+              <a:spcBef>
+                <a:spcPts val="1000"/>
+              </a:spcBef>
+              <a:spcAft>
+                <a:spcPts val="0"/>
+              </a:spcAft>
+              <a:buClr>
+                <a:schemeClr val="accent1"/>
+              </a:buClr>
+              <a:buSzPct val="80000"/>
+              <a:buFont typeface="Wingdings 3" charset="2"/>
+              <a:buChar char=""/>
+              <a:defRPr sz="1600" kern="1200">
+                <a:solidFill>
+                  <a:schemeClr val="tx1">
+                    <a:lumMod val="75000"/>
+                    <a:lumOff val="25000"/>
+                  </a:schemeClr>
+                </a:solidFill>
+                <a:latin typeface="+mn-lt"/>
+                <a:ea typeface="+mn-ea"/>
+                <a:cs typeface="+mn-cs"/>
+              </a:defRPr>
+            </a:lvl2pPr>
+            <a:lvl3pPr marL="1143000" indent="-228600" algn="l" defTabSz="457200" rtl="0" eaLnBrk="1" latinLnBrk="0" hangingPunct="1">
+              <a:spcBef>
+                <a:spcPts val="1000"/>
+              </a:spcBef>
+              <a:spcAft>
+                <a:spcPts val="0"/>
+              </a:spcAft>
+              <a:buClr>
+                <a:schemeClr val="accent1"/>
+              </a:buClr>
+              <a:buSzPct val="80000"/>
+              <a:buFont typeface="Wingdings 3" charset="2"/>
+              <a:buChar char=""/>
+              <a:defRPr sz="1400" kern="1200">
+                <a:solidFill>
+                  <a:schemeClr val="tx1">
+                    <a:lumMod val="75000"/>
+                    <a:lumOff val="25000"/>
+                  </a:schemeClr>
+                </a:solidFill>
+                <a:latin typeface="+mn-lt"/>
+                <a:ea typeface="+mn-ea"/>
+                <a:cs typeface="+mn-cs"/>
+              </a:defRPr>
+            </a:lvl3pPr>
+            <a:lvl4pPr marL="1600200" indent="-228600" algn="l" defTabSz="457200" rtl="0" eaLnBrk="1" latinLnBrk="0" hangingPunct="1">
+              <a:spcBef>
+                <a:spcPts val="1000"/>
+              </a:spcBef>
+              <a:spcAft>
+                <a:spcPts val="0"/>
+              </a:spcAft>
+              <a:buClr>
+                <a:schemeClr val="accent1"/>
+              </a:buClr>
+              <a:buSzPct val="80000"/>
+              <a:buFont typeface="Wingdings 3" charset="2"/>
+              <a:buChar char=""/>
+              <a:defRPr sz="1200" kern="1200">
+                <a:solidFill>
+                  <a:schemeClr val="tx1">
+                    <a:lumMod val="75000"/>
+                    <a:lumOff val="25000"/>
+                  </a:schemeClr>
+                </a:solidFill>
+                <a:latin typeface="+mn-lt"/>
+                <a:ea typeface="+mn-ea"/>
+                <a:cs typeface="+mn-cs"/>
+              </a:defRPr>
+            </a:lvl4pPr>
+            <a:lvl5pPr marL="2057400" indent="-228600" algn="l" defTabSz="457200" rtl="0" eaLnBrk="1" latinLnBrk="0" hangingPunct="1">
+              <a:spcBef>
+                <a:spcPts val="1000"/>
+              </a:spcBef>
+              <a:spcAft>
+                <a:spcPts val="0"/>
+              </a:spcAft>
+              <a:buClr>
+                <a:schemeClr val="accent1"/>
+              </a:buClr>
+              <a:buSzPct val="80000"/>
+              <a:buFont typeface="Wingdings 3" charset="2"/>
+              <a:buChar char=""/>
+              <a:defRPr sz="1200" kern="1200">
+                <a:solidFill>
+                  <a:schemeClr val="tx1">
+                    <a:lumMod val="75000"/>
+                    <a:lumOff val="25000"/>
+                  </a:schemeClr>
+                </a:solidFill>
+                <a:latin typeface="+mn-lt"/>
+                <a:ea typeface="+mn-ea"/>
+                <a:cs typeface="+mn-cs"/>
+              </a:defRPr>
+            </a:lvl5pPr>
+            <a:lvl6pPr marL="2514600" indent="-228600" algn="l" defTabSz="457200" rtl="0" eaLnBrk="1" latinLnBrk="0" hangingPunct="1">
+              <a:spcBef>
+                <a:spcPts val="1000"/>
+              </a:spcBef>
+              <a:spcAft>
+                <a:spcPts val="0"/>
+              </a:spcAft>
+              <a:buClr>
+                <a:schemeClr val="accent1"/>
+              </a:buClr>
+              <a:buSzPct val="80000"/>
+              <a:buFont typeface="Wingdings 3" charset="2"/>
+              <a:buChar char=""/>
+              <a:defRPr sz="1200" kern="1200">
+                <a:solidFill>
+                  <a:schemeClr val="tx1">
+                    <a:lumMod val="75000"/>
+                    <a:lumOff val="25000"/>
+                  </a:schemeClr>
+                </a:solidFill>
+                <a:latin typeface="+mn-lt"/>
+                <a:ea typeface="+mn-ea"/>
+                <a:cs typeface="+mn-cs"/>
+              </a:defRPr>
+            </a:lvl6pPr>
+            <a:lvl7pPr marL="2971800" indent="-228600" algn="l" defTabSz="457200" rtl="0" eaLnBrk="1" latinLnBrk="0" hangingPunct="1">
+              <a:spcBef>
+                <a:spcPts val="1000"/>
+              </a:spcBef>
+              <a:spcAft>
+                <a:spcPts val="0"/>
+              </a:spcAft>
+              <a:buClr>
+                <a:schemeClr val="accent1"/>
+              </a:buClr>
+              <a:buSzPct val="80000"/>
+              <a:buFont typeface="Wingdings 3" charset="2"/>
+              <a:buChar char=""/>
+              <a:defRPr sz="1200" kern="1200">
+                <a:solidFill>
+                  <a:schemeClr val="tx1">
+                    <a:lumMod val="75000"/>
+                    <a:lumOff val="25000"/>
+                  </a:schemeClr>
+                </a:solidFill>
+                <a:latin typeface="+mn-lt"/>
+                <a:ea typeface="+mn-ea"/>
+                <a:cs typeface="+mn-cs"/>
+              </a:defRPr>
+            </a:lvl7pPr>
+            <a:lvl8pPr marL="3429000" indent="-228600" algn="l" defTabSz="457200" rtl="0" eaLnBrk="1" latinLnBrk="0" hangingPunct="1">
+              <a:spcBef>
+                <a:spcPts val="1000"/>
+              </a:spcBef>
+              <a:spcAft>
+                <a:spcPts val="0"/>
+              </a:spcAft>
+              <a:buClr>
+                <a:schemeClr val="accent1"/>
+              </a:buClr>
+              <a:buSzPct val="80000"/>
+              <a:buFont typeface="Wingdings 3" charset="2"/>
+              <a:buChar char=""/>
+              <a:defRPr sz="1200" kern="1200">
+                <a:solidFill>
+                  <a:schemeClr val="tx1">
+                    <a:lumMod val="75000"/>
+                    <a:lumOff val="25000"/>
+                  </a:schemeClr>
+                </a:solidFill>
+                <a:latin typeface="+mn-lt"/>
+                <a:ea typeface="+mn-ea"/>
+                <a:cs typeface="+mn-cs"/>
+              </a:defRPr>
+            </a:lvl8pPr>
+            <a:lvl9pPr marL="3886200" indent="-228600" algn="l" defTabSz="457200" rtl="0" eaLnBrk="1" latinLnBrk="0" hangingPunct="1">
+              <a:spcBef>
+                <a:spcPts val="1000"/>
+              </a:spcBef>
+              <a:spcAft>
+                <a:spcPts val="0"/>
+              </a:spcAft>
+              <a:buClr>
+                <a:schemeClr val="accent1"/>
+              </a:buClr>
+              <a:buSzPct val="80000"/>
+              <a:buFont typeface="Wingdings 3" charset="2"/>
+              <a:buChar char=""/>
+              <a:defRPr sz="1200" kern="1200">
+                <a:solidFill>
+                  <a:schemeClr val="tx1">
+                    <a:lumMod val="75000"/>
+                    <a:lumOff val="25000"/>
+                  </a:schemeClr>
+                </a:solidFill>
+                <a:latin typeface="+mn-lt"/>
+                <a:ea typeface="+mn-ea"/>
+                <a:cs typeface="+mn-cs"/>
+              </a:defRPr>
+            </a:lvl9pPr>
+          </a:lstStyle>
+          <a:p>
+            <a:pPr marL="0" indent="0">
+              <a:buNone/>
+            </a:pPr>
+            <a:endParaRPr lang="ru-RU" dirty="0"/>
+          </a:p>
+        </p:txBody>
+      </p:sp>
+      <p:sp>
+        <p:nvSpPr>
+          <p:cNvPr id="6" name="Объект 2"/>
+          <p:cNvSpPr txBox="1">
+            <a:spLocks/>
+          </p:cNvSpPr>
+          <p:nvPr/>
+        </p:nvSpPr>
+        <p:spPr>
+          <a:xfrm>
+            <a:off x="753534" y="4066903"/>
+            <a:ext cx="8596668" cy="2368731"/>
+          </a:xfrm>
+          <a:prstGeom prst="rect">
+            <a:avLst/>
+          </a:prstGeom>
+        </p:spPr>
+        <p:txBody>
+          <a:bodyPr vert="horz" lIns="91440" tIns="45720" rIns="91440" bIns="45720" rtlCol="0">
+            <a:normAutofit/>
+          </a:bodyPr>
+          <a:lstStyle>
+            <a:lvl1pPr marL="342900" indent="-342900" algn="l" defTabSz="457200" rtl="0" eaLnBrk="1" latinLnBrk="0" hangingPunct="1">
+              <a:spcBef>
+                <a:spcPts val="1000"/>
+              </a:spcBef>
+              <a:spcAft>
+                <a:spcPts val="0"/>
+              </a:spcAft>
+              <a:buClr>
+                <a:schemeClr val="accent1"/>
+              </a:buClr>
+              <a:buSzPct val="80000"/>
+              <a:buFont typeface="Wingdings 3" charset="2"/>
+              <a:buChar char=""/>
+              <a:defRPr sz="1800" kern="1200">
+                <a:solidFill>
+                  <a:schemeClr val="tx1">
+                    <a:lumMod val="75000"/>
+                    <a:lumOff val="25000"/>
+                  </a:schemeClr>
+                </a:solidFill>
+                <a:latin typeface="+mn-lt"/>
+                <a:ea typeface="+mn-ea"/>
+                <a:cs typeface="+mn-cs"/>
+              </a:defRPr>
+            </a:lvl1pPr>
+            <a:lvl2pPr marL="742950" indent="-285750" algn="l" defTabSz="457200" rtl="0" eaLnBrk="1" latinLnBrk="0" hangingPunct="1">
+              <a:spcBef>
+                <a:spcPts val="1000"/>
+              </a:spcBef>
+              <a:spcAft>
+                <a:spcPts val="0"/>
+              </a:spcAft>
+              <a:buClr>
+                <a:schemeClr val="accent1"/>
+              </a:buClr>
+              <a:buSzPct val="80000"/>
+              <a:buFont typeface="Wingdings 3" charset="2"/>
+              <a:buChar char=""/>
+              <a:defRPr sz="1600" kern="1200">
+                <a:solidFill>
+                  <a:schemeClr val="tx1">
+                    <a:lumMod val="75000"/>
+                    <a:lumOff val="25000"/>
+                  </a:schemeClr>
+                </a:solidFill>
+                <a:latin typeface="+mn-lt"/>
+                <a:ea typeface="+mn-ea"/>
+                <a:cs typeface="+mn-cs"/>
+              </a:defRPr>
+            </a:lvl2pPr>
+            <a:lvl3pPr marL="1143000" indent="-228600" algn="l" defTabSz="457200" rtl="0" eaLnBrk="1" latinLnBrk="0" hangingPunct="1">
+              <a:spcBef>
+                <a:spcPts val="1000"/>
+              </a:spcBef>
+              <a:spcAft>
+                <a:spcPts val="0"/>
+              </a:spcAft>
+              <a:buClr>
+                <a:schemeClr val="accent1"/>
+              </a:buClr>
+              <a:buSzPct val="80000"/>
+              <a:buFont typeface="Wingdings 3" charset="2"/>
+              <a:buChar char=""/>
+              <a:defRPr sz="1400" kern="1200">
+                <a:solidFill>
+                  <a:schemeClr val="tx1">
+                    <a:lumMod val="75000"/>
+                    <a:lumOff val="25000"/>
+                  </a:schemeClr>
+                </a:solidFill>
+                <a:latin typeface="+mn-lt"/>
+                <a:ea typeface="+mn-ea"/>
+                <a:cs typeface="+mn-cs"/>
+              </a:defRPr>
+            </a:lvl3pPr>
+            <a:lvl4pPr marL="1600200" indent="-228600" algn="l" defTabSz="457200" rtl="0" eaLnBrk="1" latinLnBrk="0" hangingPunct="1">
+              <a:spcBef>
+                <a:spcPts val="1000"/>
+              </a:spcBef>
+              <a:spcAft>
+                <a:spcPts val="0"/>
+              </a:spcAft>
+              <a:buClr>
+                <a:schemeClr val="accent1"/>
+              </a:buClr>
+              <a:buSzPct val="80000"/>
+              <a:buFont typeface="Wingdings 3" charset="2"/>
+              <a:buChar char=""/>
+              <a:defRPr sz="1200" kern="1200">
+                <a:solidFill>
+                  <a:schemeClr val="tx1">
+                    <a:lumMod val="75000"/>
+                    <a:lumOff val="25000"/>
+                  </a:schemeClr>
+                </a:solidFill>
+                <a:latin typeface="+mn-lt"/>
+                <a:ea typeface="+mn-ea"/>
+                <a:cs typeface="+mn-cs"/>
+              </a:defRPr>
+            </a:lvl4pPr>
+            <a:lvl5pPr marL="2057400" indent="-228600" algn="l" defTabSz="457200" rtl="0" eaLnBrk="1" latinLnBrk="0" hangingPunct="1">
+              <a:spcBef>
+                <a:spcPts val="1000"/>
+              </a:spcBef>
+              <a:spcAft>
+                <a:spcPts val="0"/>
+              </a:spcAft>
+              <a:buClr>
+                <a:schemeClr val="accent1"/>
+              </a:buClr>
+              <a:buSzPct val="80000"/>
+              <a:buFont typeface="Wingdings 3" charset="2"/>
+              <a:buChar char=""/>
+              <a:defRPr sz="1200" kern="1200">
+                <a:solidFill>
+                  <a:schemeClr val="tx1">
+                    <a:lumMod val="75000"/>
+                    <a:lumOff val="25000"/>
+                  </a:schemeClr>
+                </a:solidFill>
+                <a:latin typeface="+mn-lt"/>
+                <a:ea typeface="+mn-ea"/>
+                <a:cs typeface="+mn-cs"/>
+              </a:defRPr>
+            </a:lvl5pPr>
+            <a:lvl6pPr marL="2514600" indent="-228600" algn="l" defTabSz="457200" rtl="0" eaLnBrk="1" latinLnBrk="0" hangingPunct="1">
+              <a:spcBef>
+                <a:spcPts val="1000"/>
+              </a:spcBef>
+              <a:spcAft>
+                <a:spcPts val="0"/>
+              </a:spcAft>
+              <a:buClr>
+                <a:schemeClr val="accent1"/>
+              </a:buClr>
+              <a:buSzPct val="80000"/>
+              <a:buFont typeface="Wingdings 3" charset="2"/>
+              <a:buChar char=""/>
+              <a:defRPr sz="1200" kern="1200">
+                <a:solidFill>
+                  <a:schemeClr val="tx1">
+                    <a:lumMod val="75000"/>
+                    <a:lumOff val="25000"/>
+                  </a:schemeClr>
+                </a:solidFill>
+                <a:latin typeface="+mn-lt"/>
+                <a:ea typeface="+mn-ea"/>
+                <a:cs typeface="+mn-cs"/>
+              </a:defRPr>
+            </a:lvl6pPr>
+            <a:lvl7pPr marL="2971800" indent="-228600" algn="l" defTabSz="457200" rtl="0" eaLnBrk="1" latinLnBrk="0" hangingPunct="1">
+              <a:spcBef>
+                <a:spcPts val="1000"/>
+              </a:spcBef>
+              <a:spcAft>
+                <a:spcPts val="0"/>
+              </a:spcAft>
+              <a:buClr>
+                <a:schemeClr val="accent1"/>
+              </a:buClr>
+              <a:buSzPct val="80000"/>
+              <a:buFont typeface="Wingdings 3" charset="2"/>
+              <a:buChar char=""/>
+              <a:defRPr sz="1200" kern="1200">
+                <a:solidFill>
+                  <a:schemeClr val="tx1">
+                    <a:lumMod val="75000"/>
+                    <a:lumOff val="25000"/>
+                  </a:schemeClr>
+                </a:solidFill>
+                <a:latin typeface="+mn-lt"/>
+                <a:ea typeface="+mn-ea"/>
+                <a:cs typeface="+mn-cs"/>
+              </a:defRPr>
+            </a:lvl7pPr>
+            <a:lvl8pPr marL="3429000" indent="-228600" algn="l" defTabSz="457200" rtl="0" eaLnBrk="1" latinLnBrk="0" hangingPunct="1">
+              <a:spcBef>
+                <a:spcPts val="1000"/>
+              </a:spcBef>
+              <a:spcAft>
+                <a:spcPts val="0"/>
+              </a:spcAft>
+              <a:buClr>
+                <a:schemeClr val="accent1"/>
+              </a:buClr>
+              <a:buSzPct val="80000"/>
+              <a:buFont typeface="Wingdings 3" charset="2"/>
+              <a:buChar char=""/>
+              <a:defRPr sz="1200" kern="1200">
+                <a:solidFill>
+                  <a:schemeClr val="tx1">
+                    <a:lumMod val="75000"/>
+                    <a:lumOff val="25000"/>
+                  </a:schemeClr>
+                </a:solidFill>
+                <a:latin typeface="+mn-lt"/>
+                <a:ea typeface="+mn-ea"/>
+                <a:cs typeface="+mn-cs"/>
+              </a:defRPr>
+            </a:lvl8pPr>
+            <a:lvl9pPr marL="3886200" indent="-228600" algn="l" defTabSz="457200" rtl="0" eaLnBrk="1" latinLnBrk="0" hangingPunct="1">
+              <a:spcBef>
+                <a:spcPts val="1000"/>
+              </a:spcBef>
+              <a:spcAft>
+                <a:spcPts val="0"/>
+              </a:spcAft>
+              <a:buClr>
+                <a:schemeClr val="accent1"/>
+              </a:buClr>
+              <a:buSzPct val="80000"/>
+              <a:buFont typeface="Wingdings 3" charset="2"/>
+              <a:buChar char=""/>
+              <a:defRPr sz="1200" kern="1200">
+                <a:solidFill>
+                  <a:schemeClr val="tx1">
+                    <a:lumMod val="75000"/>
+                    <a:lumOff val="25000"/>
+                  </a:schemeClr>
+                </a:solidFill>
+                <a:latin typeface="+mn-lt"/>
+                <a:ea typeface="+mn-ea"/>
+                <a:cs typeface="+mn-cs"/>
+              </a:defRPr>
+            </a:lvl9pPr>
+          </a:lstStyle>
+          <a:p>
+            <a:pPr marL="0" indent="0">
+              <a:buFont typeface="Wingdings 3" charset="2"/>
+              <a:buNone/>
+            </a:pPr>
+            <a:r>
+              <a:rPr lang="ru-RU" dirty="0" smtClean="0"/>
+              <a:t>Наша цель рассмотрение потребностей возникающих в разработке приложений уровня предприятия, нашим расширением будет:</a:t>
+            </a:r>
+          </a:p>
+          <a:p>
+            <a:pPr marL="0" indent="0">
+              <a:buFont typeface="Wingdings 3" charset="2"/>
+              <a:buNone/>
+            </a:pPr>
+            <a:r>
+              <a:rPr lang="ru-RU" dirty="0" smtClean="0"/>
+              <a:t>Пустая фоновая страница, без интерфейса, выполняющая внедрение кода на некоторую страницу, отправляющая и принимающая сообщения от внедренного кода </a:t>
+            </a:r>
+          </a:p>
+          <a:p>
+            <a:pPr marL="0" indent="0">
+              <a:buFont typeface="Wingdings 3" charset="2"/>
+              <a:buNone/>
+            </a:pPr>
+            <a:endParaRPr lang="ru-RU" dirty="0" smtClean="0"/>
+          </a:p>
+          <a:p>
+            <a:endParaRPr lang="ru-RU" dirty="0"/>
+          </a:p>
+        </p:txBody>
+      </p:sp>
+    </p:spTree>
+    <p:extLst>
+      <p:ext uri="{BB962C8B-B14F-4D97-AF65-F5344CB8AC3E}">
+        <p14:creationId xmlns:p14="http://schemas.microsoft.com/office/powerpoint/2010/main" val="1745055026"/>
+      </p:ext>
+    </p:extLst>
+  </p:cSld>
+  <p:clrMapOvr>
+    <a:masterClrMapping/>
+  </p:clrMapOvr>
+</p:sld>
+</file>
+
+<file path=ppt/slides/slide8.xml><?xml version="1.0" encoding="utf-8"?>
+<p:sld xmlns:a="http://schemas.openxmlformats.org/drawingml/2006/main" xmlns:r="http://schemas.openxmlformats.org/officeDocument/2006/relationships" xmlns:p="http://schemas.openxmlformats.org/presentationml/2006/main">
+  <p:cSld>
+    <p:spTree>
+      <p:nvGrpSpPr>
+        <p:cNvPr id="1" name=""/>
+        <p:cNvGrpSpPr/>
+        <p:nvPr/>
+      </p:nvGrpSpPr>
+      <p:grpSpPr>
+        <a:xfrm>
+          <a:off x="0" y="0"/>
+          <a:ext cx="0" cy="0"/>
+          <a:chOff x="0" y="0"/>
+          <a:chExt cx="0" cy="0"/>
+        </a:xfrm>
+      </p:grpSpPr>
+      <p:sp>
+        <p:nvSpPr>
+          <p:cNvPr id="2" name="Заголовок 1"/>
+          <p:cNvSpPr>
+            <a:spLocks noGrp="1"/>
+          </p:cNvSpPr>
+          <p:nvPr>
+            <p:ph type="title"/>
+          </p:nvPr>
+        </p:nvSpPr>
+        <p:spPr>
+          <a:xfrm>
+            <a:off x="677334" y="609600"/>
+            <a:ext cx="8596668" cy="670560"/>
+          </a:xfrm>
+        </p:spPr>
+        <p:txBody>
+          <a:bodyPr/>
+          <a:lstStyle/>
+          <a:p>
+            <a:r>
+              <a:rPr lang="ru-RU" dirty="0" smtClean="0"/>
+              <a:t>Перейдем к практике. Наша цель:</a:t>
+            </a:r>
+            <a:endParaRPr lang="ru-RU" dirty="0"/>
+          </a:p>
+        </p:txBody>
+      </p:sp>
+      <p:sp>
+        <p:nvSpPr>
+          <p:cNvPr id="3" name="Объект 2"/>
+          <p:cNvSpPr>
+            <a:spLocks noGrp="1"/>
+          </p:cNvSpPr>
+          <p:nvPr>
+            <p:ph idx="1"/>
+          </p:nvPr>
+        </p:nvSpPr>
+        <p:spPr>
+          <a:xfrm>
+            <a:off x="677334" y="1985555"/>
+            <a:ext cx="8596668" cy="4720045"/>
+          </a:xfrm>
+        </p:spPr>
+        <p:txBody>
+          <a:bodyPr/>
+          <a:lstStyle/>
+          <a:p>
+            <a:r>
+              <a:rPr lang="ru-RU" dirty="0"/>
+              <a:t>Данные – название книги и имя </a:t>
+            </a:r>
+            <a:r>
+              <a:rPr lang="ru-RU" dirty="0" smtClean="0"/>
+              <a:t>автора</a:t>
+            </a:r>
+          </a:p>
+          <a:p>
+            <a:r>
+              <a:rPr lang="ru-RU" dirty="0" smtClean="0"/>
+              <a:t>Создадим простое расширение состоящее из скрипта фоновой страницы, без </a:t>
+            </a:r>
+            <a:r>
+              <a:rPr lang="en-US" dirty="0" smtClean="0"/>
+              <a:t>UI</a:t>
+            </a:r>
+            <a:endParaRPr lang="ru-RU" dirty="0" smtClean="0"/>
+          </a:p>
+          <a:p>
+            <a:r>
+              <a:rPr lang="ru-RU" dirty="0" smtClean="0"/>
+              <a:t>Скрипт фоновой страницы будет внедрять код на любую страницу открытую в браузере</a:t>
+            </a:r>
+          </a:p>
+          <a:p>
+            <a:r>
+              <a:rPr lang="ru-RU" dirty="0" smtClean="0"/>
+              <a:t>Устанавливать связь с объектами внедренными на страницу</a:t>
+            </a:r>
+          </a:p>
+          <a:p>
+            <a:r>
+              <a:rPr lang="ru-RU" dirty="0" smtClean="0"/>
+              <a:t>Объекты на странице будут выполнять поиск необходимых данных и при наличии отправлять сообщение расширению. </a:t>
+            </a:r>
+          </a:p>
+          <a:p>
+            <a:r>
+              <a:rPr lang="ru-RU" dirty="0" smtClean="0"/>
+              <a:t>Создадим приложение хоста</a:t>
+            </a:r>
+          </a:p>
+          <a:p>
+            <a:r>
+              <a:rPr lang="ru-RU" dirty="0" smtClean="0"/>
+              <a:t>Скрипт фоновой страницы будет выполнять запуск приложения хоста</a:t>
+            </a:r>
+          </a:p>
+          <a:p>
+            <a:r>
+              <a:rPr lang="ru-RU" dirty="0" smtClean="0"/>
+              <a:t>Устанавливать связь с приложением хоста, с помощью </a:t>
+            </a:r>
+            <a:r>
+              <a:rPr lang="en-US" dirty="0" smtClean="0"/>
+              <a:t>Native messaging</a:t>
+            </a:r>
+          </a:p>
+          <a:p>
+            <a:r>
+              <a:rPr lang="ru-RU" dirty="0" smtClean="0"/>
+              <a:t>Приложение хоста будет выполнять сохранение данных на жесткий диск рабочей станции</a:t>
+            </a:r>
+          </a:p>
+          <a:p>
+            <a:endParaRPr lang="ru-RU" dirty="0" smtClean="0"/>
+          </a:p>
+          <a:p>
+            <a:endParaRPr lang="ru-RU" dirty="0"/>
+          </a:p>
+        </p:txBody>
+      </p:sp>
+      <p:sp>
+        <p:nvSpPr>
+          <p:cNvPr id="4" name="Объект 2"/>
+          <p:cNvSpPr txBox="1">
+            <a:spLocks/>
+          </p:cNvSpPr>
+          <p:nvPr/>
+        </p:nvSpPr>
+        <p:spPr>
+          <a:xfrm>
+            <a:off x="677333" y="1393372"/>
+            <a:ext cx="8884677" cy="478971"/>
+          </a:xfrm>
+          <a:prstGeom prst="rect">
+            <a:avLst/>
+          </a:prstGeom>
+        </p:spPr>
+        <p:txBody>
+          <a:bodyPr vert="horz" lIns="91440" tIns="45720" rIns="91440" bIns="45720" rtlCol="0">
+            <a:normAutofit/>
+          </a:bodyPr>
+          <a:lstStyle>
+            <a:lvl1pPr marL="342900" indent="-342900" algn="l" defTabSz="457200" rtl="0" eaLnBrk="1" latinLnBrk="0" hangingPunct="1">
+              <a:spcBef>
+                <a:spcPts val="1000"/>
+              </a:spcBef>
+              <a:spcAft>
+                <a:spcPts val="0"/>
+              </a:spcAft>
+              <a:buClr>
+                <a:schemeClr val="accent1"/>
+              </a:buClr>
+              <a:buSzPct val="80000"/>
+              <a:buFont typeface="Wingdings 3" charset="2"/>
+              <a:buChar char=""/>
+              <a:defRPr sz="1800" kern="1200">
+                <a:solidFill>
+                  <a:schemeClr val="tx1">
+                    <a:lumMod val="75000"/>
+                    <a:lumOff val="25000"/>
+                  </a:schemeClr>
+                </a:solidFill>
+                <a:latin typeface="+mn-lt"/>
+                <a:ea typeface="+mn-ea"/>
+                <a:cs typeface="+mn-cs"/>
+              </a:defRPr>
+            </a:lvl1pPr>
+            <a:lvl2pPr marL="742950" indent="-285750" algn="l" defTabSz="457200" rtl="0" eaLnBrk="1" latinLnBrk="0" hangingPunct="1">
+              <a:spcBef>
+                <a:spcPts val="1000"/>
+              </a:spcBef>
+              <a:spcAft>
+                <a:spcPts val="0"/>
+              </a:spcAft>
+              <a:buClr>
+                <a:schemeClr val="accent1"/>
+              </a:buClr>
+              <a:buSzPct val="80000"/>
+              <a:buFont typeface="Wingdings 3" charset="2"/>
+              <a:buChar char=""/>
+              <a:defRPr sz="1600" kern="1200">
+                <a:solidFill>
+                  <a:schemeClr val="tx1">
+                    <a:lumMod val="75000"/>
+                    <a:lumOff val="25000"/>
+                  </a:schemeClr>
+                </a:solidFill>
+                <a:latin typeface="+mn-lt"/>
+                <a:ea typeface="+mn-ea"/>
+                <a:cs typeface="+mn-cs"/>
+              </a:defRPr>
+            </a:lvl2pPr>
+            <a:lvl3pPr marL="1143000" indent="-228600" algn="l" defTabSz="457200" rtl="0" eaLnBrk="1" latinLnBrk="0" hangingPunct="1">
+              <a:spcBef>
+                <a:spcPts val="1000"/>
+              </a:spcBef>
+              <a:spcAft>
+                <a:spcPts val="0"/>
+              </a:spcAft>
+              <a:buClr>
+                <a:schemeClr val="accent1"/>
+              </a:buClr>
+              <a:buSzPct val="80000"/>
+              <a:buFont typeface="Wingdings 3" charset="2"/>
+              <a:buChar char=""/>
+              <a:defRPr sz="1400" kern="1200">
+                <a:solidFill>
+                  <a:schemeClr val="tx1">
+                    <a:lumMod val="75000"/>
+                    <a:lumOff val="25000"/>
+                  </a:schemeClr>
+                </a:solidFill>
+                <a:latin typeface="+mn-lt"/>
+                <a:ea typeface="+mn-ea"/>
+                <a:cs typeface="+mn-cs"/>
+              </a:defRPr>
+            </a:lvl3pPr>
+            <a:lvl4pPr marL="1600200" indent="-228600" algn="l" defTabSz="457200" rtl="0" eaLnBrk="1" latinLnBrk="0" hangingPunct="1">
+              <a:spcBef>
+                <a:spcPts val="1000"/>
+              </a:spcBef>
+              <a:spcAft>
+                <a:spcPts val="0"/>
+              </a:spcAft>
+              <a:buClr>
+                <a:schemeClr val="accent1"/>
+              </a:buClr>
+              <a:buSzPct val="80000"/>
+              <a:buFont typeface="Wingdings 3" charset="2"/>
+              <a:buChar char=""/>
+              <a:defRPr sz="1200" kern="1200">
+                <a:solidFill>
+                  <a:schemeClr val="tx1">
+                    <a:lumMod val="75000"/>
+                    <a:lumOff val="25000"/>
+                  </a:schemeClr>
+                </a:solidFill>
+                <a:latin typeface="+mn-lt"/>
+                <a:ea typeface="+mn-ea"/>
+                <a:cs typeface="+mn-cs"/>
+              </a:defRPr>
+            </a:lvl4pPr>
+            <a:lvl5pPr marL="2057400" indent="-228600" algn="l" defTabSz="457200" rtl="0" eaLnBrk="1" latinLnBrk="0" hangingPunct="1">
+              <a:spcBef>
+                <a:spcPts val="1000"/>
+              </a:spcBef>
+              <a:spcAft>
+                <a:spcPts val="0"/>
+              </a:spcAft>
+              <a:buClr>
+                <a:schemeClr val="accent1"/>
+              </a:buClr>
+              <a:buSzPct val="80000"/>
+              <a:buFont typeface="Wingdings 3" charset="2"/>
+              <a:buChar char=""/>
+              <a:defRPr sz="1200" kern="1200">
+                <a:solidFill>
+                  <a:schemeClr val="tx1">
+                    <a:lumMod val="75000"/>
+                    <a:lumOff val="25000"/>
+                  </a:schemeClr>
+                </a:solidFill>
+                <a:latin typeface="+mn-lt"/>
+                <a:ea typeface="+mn-ea"/>
+                <a:cs typeface="+mn-cs"/>
+              </a:defRPr>
+            </a:lvl5pPr>
+            <a:lvl6pPr marL="2514600" indent="-228600" algn="l" defTabSz="457200" rtl="0" eaLnBrk="1" latinLnBrk="0" hangingPunct="1">
+              <a:spcBef>
+                <a:spcPts val="1000"/>
+              </a:spcBef>
+              <a:spcAft>
+                <a:spcPts val="0"/>
+              </a:spcAft>
+              <a:buClr>
+                <a:schemeClr val="accent1"/>
+              </a:buClr>
+              <a:buSzPct val="80000"/>
+              <a:buFont typeface="Wingdings 3" charset="2"/>
+              <a:buChar char=""/>
+              <a:defRPr sz="1200" kern="1200">
+                <a:solidFill>
+                  <a:schemeClr val="tx1">
+                    <a:lumMod val="75000"/>
+                    <a:lumOff val="25000"/>
+                  </a:schemeClr>
+                </a:solidFill>
+                <a:latin typeface="+mn-lt"/>
+                <a:ea typeface="+mn-ea"/>
+                <a:cs typeface="+mn-cs"/>
+              </a:defRPr>
+            </a:lvl6pPr>
+            <a:lvl7pPr marL="2971800" indent="-228600" algn="l" defTabSz="457200" rtl="0" eaLnBrk="1" latinLnBrk="0" hangingPunct="1">
+              <a:spcBef>
+                <a:spcPts val="1000"/>
+              </a:spcBef>
+              <a:spcAft>
+                <a:spcPts val="0"/>
+              </a:spcAft>
+              <a:buClr>
+                <a:schemeClr val="accent1"/>
+              </a:buClr>
+              <a:buSzPct val="80000"/>
+              <a:buFont typeface="Wingdings 3" charset="2"/>
+              <a:buChar char=""/>
+              <a:defRPr sz="1200" kern="1200">
+                <a:solidFill>
+                  <a:schemeClr val="tx1">
+                    <a:lumMod val="75000"/>
+                    <a:lumOff val="25000"/>
+                  </a:schemeClr>
+                </a:solidFill>
+                <a:latin typeface="+mn-lt"/>
+                <a:ea typeface="+mn-ea"/>
+                <a:cs typeface="+mn-cs"/>
+              </a:defRPr>
+            </a:lvl7pPr>
+            <a:lvl8pPr marL="3429000" indent="-228600" algn="l" defTabSz="457200" rtl="0" eaLnBrk="1" latinLnBrk="0" hangingPunct="1">
+              <a:spcBef>
+                <a:spcPts val="1000"/>
+              </a:spcBef>
+              <a:spcAft>
+                <a:spcPts val="0"/>
+              </a:spcAft>
+              <a:buClr>
+                <a:schemeClr val="accent1"/>
+              </a:buClr>
+              <a:buSzPct val="80000"/>
+              <a:buFont typeface="Wingdings 3" charset="2"/>
+              <a:buChar char=""/>
+              <a:defRPr sz="1200" kern="1200">
+                <a:solidFill>
+                  <a:schemeClr val="tx1">
+                    <a:lumMod val="75000"/>
+                    <a:lumOff val="25000"/>
+                  </a:schemeClr>
+                </a:solidFill>
+                <a:latin typeface="+mn-lt"/>
+                <a:ea typeface="+mn-ea"/>
+                <a:cs typeface="+mn-cs"/>
+              </a:defRPr>
+            </a:lvl8pPr>
+            <a:lvl9pPr marL="3886200" indent="-228600" algn="l" defTabSz="457200" rtl="0" eaLnBrk="1" latinLnBrk="0" hangingPunct="1">
+              <a:spcBef>
+                <a:spcPts val="1000"/>
+              </a:spcBef>
+              <a:spcAft>
+                <a:spcPts val="0"/>
+              </a:spcAft>
+              <a:buClr>
+                <a:schemeClr val="accent1"/>
+              </a:buClr>
+              <a:buSzPct val="80000"/>
+              <a:buFont typeface="Wingdings 3" charset="2"/>
+              <a:buChar char=""/>
+              <a:defRPr sz="1200" kern="1200">
+                <a:solidFill>
+                  <a:schemeClr val="tx1">
+                    <a:lumMod val="75000"/>
+                    <a:lumOff val="25000"/>
+                  </a:schemeClr>
+                </a:solidFill>
+                <a:latin typeface="+mn-lt"/>
+                <a:ea typeface="+mn-ea"/>
+                <a:cs typeface="+mn-cs"/>
+              </a:defRPr>
+            </a:lvl9pPr>
+          </a:lstStyle>
+          <a:p>
+            <a:pPr marL="0" indent="0">
+              <a:buNone/>
+            </a:pPr>
+            <a:r>
+              <a:rPr lang="ru-RU" dirty="0" smtClean="0"/>
+              <a:t>Предположим, что собираем информацию о книгах на </a:t>
+            </a:r>
+            <a:r>
+              <a:rPr lang="en-US" dirty="0"/>
+              <a:t>https://www.amazon.com/</a:t>
+            </a:r>
+            <a:endParaRPr lang="ru-RU" dirty="0" smtClean="0"/>
+          </a:p>
+          <a:p>
+            <a:pPr marL="0" indent="0">
+              <a:buFont typeface="Wingdings 3" charset="2"/>
+              <a:buNone/>
+            </a:pPr>
+            <a:endParaRPr lang="ru-RU" dirty="0" smtClean="0"/>
+          </a:p>
+          <a:p>
+            <a:endParaRPr lang="ru-RU" dirty="0"/>
+          </a:p>
+        </p:txBody>
+      </p:sp>
+    </p:spTree>
+    <p:extLst>
+      <p:ext uri="{BB962C8B-B14F-4D97-AF65-F5344CB8AC3E}">
+        <p14:creationId xmlns:p14="http://schemas.microsoft.com/office/powerpoint/2010/main" val="1421230644"/>
+      </p:ext>
+    </p:extLst>
+  </p:cSld>
+  <p:clrMapOvr>
+    <a:masterClrMapping/>
+  </p:clrMapOvr>
+</p:sld>
+</file>
+
+<file path=ppt/slides/slide9.xml><?xml version="1.0" encoding="utf-8"?>
+<p:sld xmlns:a="http://schemas.openxmlformats.org/drawingml/2006/main" xmlns:r="http://schemas.openxmlformats.org/officeDocument/2006/relationships" xmlns:p="http://schemas.openxmlformats.org/presentationml/2006/main">
+  <p:cSld>
+    <p:spTree>
+      <p:nvGrpSpPr>
+        <p:cNvPr id="1" name=""/>
+        <p:cNvGrpSpPr/>
+        <p:nvPr/>
+      </p:nvGrpSpPr>
+      <p:grpSpPr>
+        <a:xfrm>
+          <a:off x="0" y="0"/>
+          <a:ext cx="0" cy="0"/>
+          <a:chOff x="0" y="0"/>
+          <a:chExt cx="0" cy="0"/>
+        </a:xfrm>
+      </p:grpSpPr>
+      <p:sp>
+        <p:nvSpPr>
+          <p:cNvPr id="2" name="Заголовок 1"/>
+          <p:cNvSpPr>
+            <a:spLocks noGrp="1"/>
+          </p:cNvSpPr>
+          <p:nvPr>
+            <p:ph type="title"/>
+          </p:nvPr>
+        </p:nvSpPr>
+        <p:spPr>
+          <a:xfrm>
+            <a:off x="677334" y="609600"/>
+            <a:ext cx="8596668" cy="1079863"/>
+          </a:xfrm>
+        </p:spPr>
+        <p:txBody>
+          <a:bodyPr>
+            <a:normAutofit fontScale="90000"/>
+          </a:bodyPr>
+          <a:lstStyle/>
+          <a:p>
+            <a:pPr algn="ctr"/>
+            <a:r>
+              <a:rPr lang="ru-RU" dirty="0" smtClean="0"/>
+              <a:t>Структура </a:t>
+            </a:r>
+            <a:r>
+              <a:rPr lang="en-US" dirty="0" err="1" smtClean="0"/>
+              <a:t>manifest.json</a:t>
+            </a:r>
+            <a:r>
+              <a:rPr lang="en-US" dirty="0" smtClean="0"/>
+              <a:t> </a:t>
+            </a:r>
+            <a:r>
+              <a:rPr lang="ru-RU" dirty="0" smtClean="0"/>
+              <a:t>для</a:t>
+            </a:r>
+            <a:r>
+              <a:rPr lang="en-US" dirty="0" smtClean="0"/>
+              <a:t> Browser extension</a:t>
+            </a:r>
+            <a:endParaRPr lang="ru-RU" dirty="0"/>
+          </a:p>
+        </p:txBody>
+      </p:sp>
+      <p:sp>
+        <p:nvSpPr>
+          <p:cNvPr id="3" name="Объект 2"/>
+          <p:cNvSpPr>
+            <a:spLocks noGrp="1"/>
+          </p:cNvSpPr>
+          <p:nvPr>
+            <p:ph idx="1"/>
+          </p:nvPr>
+        </p:nvSpPr>
+        <p:spPr>
+          <a:xfrm>
+            <a:off x="677334" y="1689463"/>
+            <a:ext cx="8596668" cy="4937760"/>
+          </a:xfrm>
+        </p:spPr>
+        <p:txBody>
+          <a:bodyPr/>
+          <a:lstStyle/>
+          <a:p>
+            <a:r>
+              <a:rPr lang="ru-RU" dirty="0" err="1" smtClean="0"/>
+              <a:t>manifest_version</a:t>
+            </a:r>
+            <a:r>
+              <a:rPr lang="ru-RU" dirty="0" smtClean="0"/>
+              <a:t> - обязательный атрибут, без него просто не будет работать. На данный момент должен быть равен 2</a:t>
+            </a:r>
+          </a:p>
+          <a:p>
+            <a:r>
+              <a:rPr lang="en-US" dirty="0" smtClean="0"/>
+              <a:t>name - </a:t>
+            </a:r>
+            <a:r>
+              <a:rPr lang="ru-RU" dirty="0" smtClean="0"/>
+              <a:t>отображаемое наименование расширения</a:t>
+            </a:r>
+          </a:p>
+          <a:p>
+            <a:r>
+              <a:rPr lang="en-US" dirty="0" smtClean="0"/>
+              <a:t>version - </a:t>
+            </a:r>
+            <a:r>
+              <a:rPr lang="ru-RU" dirty="0" smtClean="0"/>
+              <a:t>версия расширения. Основное назначение – обеспечение обновления версий расширения</a:t>
+            </a:r>
+          </a:p>
+          <a:p>
+            <a:r>
+              <a:rPr lang="en-US" dirty="0" smtClean="0"/>
+              <a:t>icons - </a:t>
+            </a:r>
+            <a:r>
+              <a:rPr lang="ru-RU" dirty="0" smtClean="0"/>
+              <a:t>иконки для расширения</a:t>
+            </a:r>
+          </a:p>
+          <a:p>
+            <a:r>
+              <a:rPr lang="en-US" dirty="0" err="1" smtClean="0"/>
+              <a:t>browser_action</a:t>
+            </a:r>
+            <a:r>
+              <a:rPr lang="ru-RU" dirty="0" smtClean="0"/>
+              <a:t> – параметры «основного действия» в браузере. «Основное действие» - кнопка рядом с </a:t>
+            </a:r>
+            <a:r>
+              <a:rPr lang="ru-RU" dirty="0" err="1" smtClean="0"/>
+              <a:t>омнибоксом</a:t>
+            </a:r>
+            <a:r>
+              <a:rPr lang="ru-RU" dirty="0" smtClean="0"/>
+              <a:t> браузера</a:t>
+            </a:r>
+          </a:p>
+          <a:p>
+            <a:r>
+              <a:rPr lang="ru-RU" dirty="0" err="1"/>
+              <a:t>background</a:t>
+            </a:r>
+            <a:r>
+              <a:rPr lang="ru-RU" dirty="0"/>
+              <a:t> - атрибут </a:t>
+            </a:r>
+            <a:r>
+              <a:rPr lang="ru-RU" dirty="0" smtClean="0"/>
+              <a:t>задающий параметры </a:t>
+            </a:r>
+            <a:r>
+              <a:rPr lang="ru-RU" dirty="0"/>
+              <a:t>фоновой страницы</a:t>
+            </a:r>
+          </a:p>
+          <a:p>
+            <a:r>
+              <a:rPr lang="en-US" dirty="0"/>
+              <a:t>persistent </a:t>
+            </a:r>
+            <a:r>
+              <a:rPr lang="en-US" dirty="0" smtClean="0"/>
+              <a:t>– </a:t>
+            </a:r>
+            <a:r>
+              <a:rPr lang="ru-RU" dirty="0" smtClean="0"/>
+              <a:t>время жизни расширения</a:t>
+            </a:r>
+          </a:p>
+          <a:p>
+            <a:r>
+              <a:rPr lang="en-US" dirty="0"/>
+              <a:t>permissions </a:t>
+            </a:r>
+            <a:r>
+              <a:rPr lang="en-US" dirty="0" smtClean="0"/>
+              <a:t>– </a:t>
+            </a:r>
+            <a:r>
+              <a:rPr lang="ru-RU" dirty="0" smtClean="0"/>
+              <a:t>разрешения </a:t>
+            </a:r>
+          </a:p>
+          <a:p>
+            <a:pPr marL="0" indent="0">
+              <a:buNone/>
+            </a:pPr>
+            <a:r>
+              <a:rPr lang="ru-RU" dirty="0" smtClean="0"/>
+              <a:t>     </a:t>
+            </a:r>
+            <a:r>
+              <a:rPr lang="en-US" dirty="0" smtClean="0"/>
+              <a:t>tabs</a:t>
+            </a:r>
+            <a:r>
+              <a:rPr lang="ru-RU" dirty="0" smtClean="0"/>
+              <a:t> – обеспечит доступ к закладкам браузера</a:t>
+            </a:r>
+          </a:p>
+          <a:p>
+            <a:pPr marL="0" indent="0">
+              <a:buNone/>
+            </a:pPr>
+            <a:r>
+              <a:rPr lang="ru-RU" dirty="0"/>
+              <a:t> </a:t>
+            </a:r>
+            <a:r>
+              <a:rPr lang="ru-RU" dirty="0" smtClean="0"/>
+              <a:t>    </a:t>
+            </a:r>
+            <a:r>
+              <a:rPr lang="en-US" dirty="0" err="1" smtClean="0"/>
+              <a:t>nativeMessaging</a:t>
+            </a:r>
+            <a:r>
+              <a:rPr lang="ru-RU" dirty="0"/>
+              <a:t> </a:t>
+            </a:r>
+            <a:r>
+              <a:rPr lang="ru-RU" dirty="0" smtClean="0"/>
+              <a:t>– позволит использовать </a:t>
+            </a:r>
+            <a:r>
+              <a:rPr lang="en-US" dirty="0" smtClean="0"/>
+              <a:t>Native messaging</a:t>
+            </a:r>
+            <a:endParaRPr lang="en-US" dirty="0"/>
+          </a:p>
+          <a:p>
+            <a:pPr marL="0" indent="0">
+              <a:buNone/>
+            </a:pPr>
+            <a:endParaRPr lang="en-US" dirty="0"/>
+          </a:p>
+          <a:p>
+            <a:pPr marL="0" indent="0">
+              <a:buNone/>
+            </a:pPr>
+            <a:endParaRPr lang="ru-RU" dirty="0"/>
+          </a:p>
+          <a:p>
+            <a:endParaRPr lang="en-US" dirty="0"/>
+          </a:p>
+          <a:p>
+            <a:endParaRPr lang="ru-RU" dirty="0" smtClean="0"/>
+          </a:p>
+          <a:p>
+            <a:endParaRPr lang="ru-RU" dirty="0"/>
+          </a:p>
+        </p:txBody>
+      </p:sp>
+    </p:spTree>
+    <p:extLst>
+      <p:ext uri="{BB962C8B-B14F-4D97-AF65-F5344CB8AC3E}">
+        <p14:creationId xmlns:p14="http://schemas.microsoft.com/office/powerpoint/2010/main" val="1515821314"/>
+      </p:ext>
+    </p:extLst>
+  </p:cSld>
+  <p:clrMapOvr>
+    <a:masterClrMapping/>
+  </p:clrMapOvr>
 </p:sld>
 </file>
 
